--- a/LectureSlides/18Design2.pptx
+++ b/LectureSlides/18Design2.pptx
@@ -5,7 +5,7 @@
     <p:sldMasterId id="2147483696" r:id="rId1"/>
   </p:sldMasterIdLst>
   <p:notesMasterIdLst>
-    <p:notesMasterId r:id="rId58"/>
+    <p:notesMasterId r:id="rId57"/>
   </p:notesMasterIdLst>
   <p:sldIdLst>
     <p:sldId id="256" r:id="rId2"/>
@@ -30,40 +30,39 @@
     <p:sldId id="277" r:id="rId21"/>
     <p:sldId id="278" r:id="rId22"/>
     <p:sldId id="304" r:id="rId23"/>
-    <p:sldId id="313" r:id="rId24"/>
-    <p:sldId id="305" r:id="rId25"/>
-    <p:sldId id="306" r:id="rId26"/>
-    <p:sldId id="307" r:id="rId27"/>
-    <p:sldId id="308" r:id="rId28"/>
-    <p:sldId id="309" r:id="rId29"/>
-    <p:sldId id="310" r:id="rId30"/>
-    <p:sldId id="311" r:id="rId31"/>
-    <p:sldId id="314" r:id="rId32"/>
-    <p:sldId id="267" r:id="rId33"/>
-    <p:sldId id="265" r:id="rId34"/>
-    <p:sldId id="279" r:id="rId35"/>
-    <p:sldId id="282" r:id="rId36"/>
-    <p:sldId id="281" r:id="rId37"/>
-    <p:sldId id="283" r:id="rId38"/>
-    <p:sldId id="284" r:id="rId39"/>
-    <p:sldId id="291" r:id="rId40"/>
-    <p:sldId id="286" r:id="rId41"/>
-    <p:sldId id="287" r:id="rId42"/>
-    <p:sldId id="288" r:id="rId43"/>
-    <p:sldId id="289" r:id="rId44"/>
-    <p:sldId id="292" r:id="rId45"/>
-    <p:sldId id="290" r:id="rId46"/>
-    <p:sldId id="285" r:id="rId47"/>
-    <p:sldId id="259" r:id="rId48"/>
-    <p:sldId id="293" r:id="rId49"/>
-    <p:sldId id="294" r:id="rId50"/>
-    <p:sldId id="295" r:id="rId51"/>
-    <p:sldId id="299" r:id="rId52"/>
-    <p:sldId id="300" r:id="rId53"/>
-    <p:sldId id="296" r:id="rId54"/>
-    <p:sldId id="297" r:id="rId55"/>
-    <p:sldId id="298" r:id="rId56"/>
-    <p:sldId id="260" r:id="rId57"/>
+    <p:sldId id="305" r:id="rId24"/>
+    <p:sldId id="306" r:id="rId25"/>
+    <p:sldId id="307" r:id="rId26"/>
+    <p:sldId id="308" r:id="rId27"/>
+    <p:sldId id="309" r:id="rId28"/>
+    <p:sldId id="310" r:id="rId29"/>
+    <p:sldId id="311" r:id="rId30"/>
+    <p:sldId id="314" r:id="rId31"/>
+    <p:sldId id="267" r:id="rId32"/>
+    <p:sldId id="265" r:id="rId33"/>
+    <p:sldId id="279" r:id="rId34"/>
+    <p:sldId id="282" r:id="rId35"/>
+    <p:sldId id="281" r:id="rId36"/>
+    <p:sldId id="283" r:id="rId37"/>
+    <p:sldId id="284" r:id="rId38"/>
+    <p:sldId id="291" r:id="rId39"/>
+    <p:sldId id="286" r:id="rId40"/>
+    <p:sldId id="287" r:id="rId41"/>
+    <p:sldId id="288" r:id="rId42"/>
+    <p:sldId id="289" r:id="rId43"/>
+    <p:sldId id="292" r:id="rId44"/>
+    <p:sldId id="290" r:id="rId45"/>
+    <p:sldId id="285" r:id="rId46"/>
+    <p:sldId id="259" r:id="rId47"/>
+    <p:sldId id="293" r:id="rId48"/>
+    <p:sldId id="294" r:id="rId49"/>
+    <p:sldId id="295" r:id="rId50"/>
+    <p:sldId id="299" r:id="rId51"/>
+    <p:sldId id="300" r:id="rId52"/>
+    <p:sldId id="296" r:id="rId53"/>
+    <p:sldId id="297" r:id="rId54"/>
+    <p:sldId id="298" r:id="rId55"/>
+    <p:sldId id="260" r:id="rId56"/>
   </p:sldIdLst>
   <p:sldSz cx="12192000" cy="6858000"/>
   <p:notesSz cx="6858000" cy="9144000"/>
@@ -252,7 +251,7 @@
           <a:p>
             <a:fld id="{851D0A7A-BF7B-4933-BC76-BDA42138980F}" type="datetimeFigureOut">
               <a:rPr lang="en-US" smtClean="0"/>
-              <a:t>10/14/2024</a:t>
+              <a:t>12/20/2024</a:t>
             </a:fld>
             <a:endParaRPr lang="en-US"/>
           </a:p>
@@ -1102,7 +1101,7 @@
           <a:p>
             <a:fld id="{DB8393AC-6D52-438D-AA5D-F2511F9ECBD6}" type="slidenum">
               <a:rPr lang="en-US" smtClean="0"/>
-              <a:t>32</a:t>
+              <a:t>31</a:t>
             </a:fld>
             <a:endParaRPr lang="en-US"/>
           </a:p>
@@ -1195,7 +1194,7 @@
           <a:p>
             <a:fld id="{DB8393AC-6D52-438D-AA5D-F2511F9ECBD6}" type="slidenum">
               <a:rPr lang="en-US" smtClean="0"/>
-              <a:t>35</a:t>
+              <a:t>34</a:t>
             </a:fld>
             <a:endParaRPr lang="en-US"/>
           </a:p>
@@ -1282,7 +1281,7 @@
           <a:p>
             <a:fld id="{DB8393AC-6D52-438D-AA5D-F2511F9ECBD6}" type="slidenum">
               <a:rPr lang="en-US" smtClean="0"/>
-              <a:t>44</a:t>
+              <a:t>43</a:t>
             </a:fld>
             <a:endParaRPr lang="en-US"/>
           </a:p>
@@ -1401,7 +1400,7 @@
           <a:p>
             <a:fld id="{DB8393AC-6D52-438D-AA5D-F2511F9ECBD6}" type="slidenum">
               <a:rPr lang="en-US" smtClean="0"/>
-              <a:t>53</a:t>
+              <a:t>52</a:t>
             </a:fld>
             <a:endParaRPr lang="en-US"/>
           </a:p>
@@ -2389,7 +2388,7 @@
           <a:p>
             <a:fld id="{263C6BED-35C5-4BD2-9D2D-ECCF2F81720F}" type="datetime1">
               <a:rPr lang="en-US" smtClean="0"/>
-              <a:t>10/14/2024</a:t>
+              <a:t>12/20/2024</a:t>
             </a:fld>
             <a:endParaRPr lang="en-US"/>
           </a:p>
@@ -2597,7 +2596,7 @@
           <a:p>
             <a:fld id="{9CC6E155-A30B-41F1-A2F3-CDE04B4313E9}" type="datetime1">
               <a:rPr lang="en-US" smtClean="0"/>
-              <a:t>10/14/2024</a:t>
+              <a:t>12/20/2024</a:t>
             </a:fld>
             <a:endParaRPr lang="en-US"/>
           </a:p>
@@ -2853,7 +2852,7 @@
           <a:p>
             <a:fld id="{2318DAD8-7E3E-4786-AA65-17E9DB850792}" type="datetime1">
               <a:rPr lang="en-US" smtClean="0"/>
-              <a:t>10/14/2024</a:t>
+              <a:t>12/20/2024</a:t>
             </a:fld>
             <a:endParaRPr lang="en-US"/>
           </a:p>
@@ -3038,7 +3037,7 @@
           <a:p>
             <a:fld id="{7DD018BB-8AB2-43B8-800A-76963ED6ADC7}" type="datetime1">
               <a:rPr lang="en-US" smtClean="0"/>
-              <a:t>10/14/2024</a:t>
+              <a:t>12/20/2024</a:t>
             </a:fld>
             <a:endParaRPr lang="en-US"/>
           </a:p>
@@ -3381,7 +3380,7 @@
           <a:p>
             <a:fld id="{17CADDFF-431C-4A6F-A14B-FF1AF97FE7A8}" type="datetime1">
               <a:rPr lang="en-US" smtClean="0"/>
-              <a:t>10/14/2024</a:t>
+              <a:t>12/20/2024</a:t>
             </a:fld>
             <a:endParaRPr lang="en-US"/>
           </a:p>
@@ -3686,7 +3685,7 @@
           <a:p>
             <a:fld id="{E97B664A-C304-4EA2-B1CE-DE58D7C72CC5}" type="datetime1">
               <a:rPr lang="en-US" smtClean="0"/>
-              <a:t>10/14/2024</a:t>
+              <a:t>12/20/2024</a:t>
             </a:fld>
             <a:endParaRPr lang="en-US"/>
           </a:p>
@@ -4095,7 +4094,7 @@
           <a:p>
             <a:fld id="{AEF9FA34-5866-4EB2-B72C-93750A2CE3AB}" type="datetime1">
               <a:rPr lang="en-US" smtClean="0"/>
-              <a:t>10/14/2024</a:t>
+              <a:t>12/20/2024</a:t>
             </a:fld>
             <a:endParaRPr lang="en-US"/>
           </a:p>
@@ -4213,7 +4212,7 @@
           <a:p>
             <a:fld id="{75B35D5B-1BDC-4DBC-8936-9F3D5B1A256B}" type="datetime1">
               <a:rPr lang="en-US" smtClean="0"/>
-              <a:t>10/14/2024</a:t>
+              <a:t>12/20/2024</a:t>
             </a:fld>
             <a:endParaRPr lang="en-US"/>
           </a:p>
@@ -4384,7 +4383,7 @@
           <a:p>
             <a:fld id="{3233B6BD-6366-4EE7-8295-6D14276CF656}" type="datetime1">
               <a:rPr lang="en-US" smtClean="0"/>
-              <a:t>10/14/2024</a:t>
+              <a:t>12/20/2024</a:t>
             </a:fld>
             <a:endParaRPr lang="en-US"/>
           </a:p>
@@ -4753,7 +4752,7 @@
           <a:p>
             <a:fld id="{CA489596-7034-4658-8407-37926A24657A}" type="datetime1">
               <a:rPr lang="en-US" smtClean="0"/>
-              <a:t>10/14/2024</a:t>
+              <a:t>12/20/2024</a:t>
             </a:fld>
             <a:endParaRPr lang="en-US"/>
           </a:p>
@@ -5130,7 +5129,7 @@
           <a:p>
             <a:fld id="{25C6BEFA-FF7A-4B7F-9896-DE5DF32F32E2}" type="datetime1">
               <a:rPr lang="en-US" smtClean="0"/>
-              <a:t>10/14/2024</a:t>
+              <a:t>12/20/2024</a:t>
             </a:fld>
             <a:endParaRPr lang="en-US"/>
           </a:p>
@@ -5417,7 +5416,7 @@
           <a:p>
             <a:fld id="{44FCBB43-7E26-4C0D-888E-934844182D3A}" type="datetime1">
               <a:rPr lang="en-US" smtClean="0"/>
-              <a:t>10/14/2024</a:t>
+              <a:t>12/20/2024</a:t>
             </a:fld>
             <a:endParaRPr lang="en-US"/>
           </a:p>
@@ -5965,7 +5964,7 @@
           <a:p>
             <a:r>
               <a:rPr lang="en-US" dirty="0"/>
-              <a:t>09 – Human Computer Interaction 2: Methods</a:t>
+              <a:t>18 – Human Computer Interaction 2: Methods</a:t>
             </a:r>
           </a:p>
         </p:txBody>
@@ -12236,7 +12235,7 @@
           <a:p>
             <a:r>
               <a:rPr lang="en-US" dirty="0"/>
-              <a:t>Lecture 09 HCI 2 (10/30/2023)</a:t>
+              <a:t>Recommended Break Point</a:t>
             </a:r>
           </a:p>
         </p:txBody>
@@ -12330,7 +12329,7 @@
           <p:cNvPr id="2" name="Title 1">
             <a:extLst>
               <a:ext uri="{FF2B5EF4-FFF2-40B4-BE49-F238E27FC236}">
-                <a16:creationId xmlns:a16="http://schemas.microsoft.com/office/drawing/2014/main" id="{A9458EC8-C902-F164-B1B3-F52A67887A1B}"/>
+                <a16:creationId xmlns:a16="http://schemas.microsoft.com/office/drawing/2014/main" id="{E0EA43B9-C87C-428A-96F9-1FE6BC090A7D}"/>
               </a:ext>
             </a:extLst>
           </p:cNvPr>
@@ -12348,7 +12347,7 @@
           <a:p>
             <a:r>
               <a:rPr lang="en-US" dirty="0"/>
-              <a:t>Announcements</a:t>
+              <a:t>User Study Setup</a:t>
             </a:r>
           </a:p>
         </p:txBody>
@@ -12358,7 +12357,7 @@
           <p:cNvPr id="3" name="Content Placeholder 2">
             <a:extLst>
               <a:ext uri="{FF2B5EF4-FFF2-40B4-BE49-F238E27FC236}">
-                <a16:creationId xmlns:a16="http://schemas.microsoft.com/office/drawing/2014/main" id="{541DEA03-E9B1-D05E-2815-297A313640F4}"/>
+                <a16:creationId xmlns:a16="http://schemas.microsoft.com/office/drawing/2014/main" id="{0824981E-5A0F-6602-4C69-597134D40C48}"/>
               </a:ext>
             </a:extLst>
           </p:cNvPr>
@@ -12369,84 +12368,55 @@
             <p:ph idx="1"/>
           </p:nvPr>
         </p:nvSpPr>
-        <p:spPr/>
-        <p:txBody>
-          <a:bodyPr/>
-          <a:lstStyle/>
-          <a:p>
-            <a:pPr lvl="1"/>
-            <a:r>
-              <a:rPr lang="en-US" dirty="0"/>
-              <a:t>CS Grad Student Social Event: </a:t>
-            </a:r>
+        <p:spPr>
+          <a:xfrm>
+            <a:off x="1097279" y="1845735"/>
+            <a:ext cx="10414535" cy="2630012"/>
+          </a:xfrm>
+        </p:spPr>
+        <p:txBody>
+          <a:bodyPr>
+            <a:normAutofit lnSpcReduction="10000"/>
+          </a:bodyPr>
+          <a:lstStyle/>
+          <a:p>
+            <a:r>
+              <a:rPr lang="en-US" dirty="0"/>
+              <a:t>Divide hour into 6 blocks, each 13 minutes. </a:t>
+            </a:r>
+            <a:br>
+              <a:rPr lang="en-US" dirty="0"/>
+            </a:br>
+            <a:r>
+              <a:rPr lang="en-US" dirty="0"/>
+              <a:t>Each 13 minutes, your table “leader” rotates.</a:t>
+            </a:r>
+            <a:br>
+              <a:rPr lang="en-US" dirty="0"/>
+            </a:br>
+            <a:r>
+              <a:rPr lang="en-US" dirty="0"/>
+              <a:t>You run your study while all other table members participate in it </a:t>
+            </a:r>
+            <a:br>
+              <a:rPr lang="en-US" dirty="0"/>
+            </a:br>
+            <a:r>
+              <a:rPr lang="en-US" dirty="0"/>
+              <a:t>To avoid distracting you, I keep time using a PowerPoint animation</a:t>
+            </a:r>
+          </a:p>
+          <a:p>
+            <a:r>
+              <a:rPr lang="en-US" dirty="0"/>
+              <a:t>Timing is approximate: It’s okay to take longer if you’re having fun</a:t>
+            </a:r>
+          </a:p>
+          <a:p>
             <a:r>
               <a:rPr lang="en-US" b="1" dirty="0"/>
-              <a:t>November 6, 12pm/noon, Fuller B17</a:t>
-            </a:r>
-          </a:p>
-          <a:p>
-            <a:pPr lvl="2"/>
-            <a:r>
-              <a:rPr lang="en-US" b="1" dirty="0"/>
-              <a:t>Potluck style: </a:t>
-            </a:r>
-            <a:r>
-              <a:rPr lang="en-US" dirty="0"/>
-              <a:t>Bring food, share food</a:t>
-            </a:r>
-          </a:p>
-          <a:p>
-            <a:pPr lvl="1"/>
-            <a:r>
-              <a:rPr lang="en-US" dirty="0"/>
-              <a:t>Assignment 4 Due Wednesday Nov 1</a:t>
-            </a:r>
-          </a:p>
-          <a:p>
-            <a:pPr lvl="2"/>
-            <a:r>
-              <a:rPr lang="en-US" dirty="0"/>
-              <a:t>You need to test out each other’s user studies</a:t>
-            </a:r>
-          </a:p>
-          <a:p>
-            <a:pPr lvl="2"/>
-            <a:r>
-              <a:rPr lang="en-US" dirty="0"/>
-              <a:t>Look for partners today in class if needed</a:t>
-            </a:r>
-          </a:p>
-          <a:p>
-            <a:pPr lvl="2"/>
-            <a:r>
-              <a:rPr lang="en-US" dirty="0"/>
-              <a:t>It’s been a while since we saw types –encouraged to review lecture slides</a:t>
-            </a:r>
-          </a:p>
-          <a:p>
-            <a:pPr lvl="1"/>
-            <a:r>
-              <a:rPr lang="en-US" dirty="0"/>
-              <a:t>User Studies performed in class on Nov 8</a:t>
-            </a:r>
-          </a:p>
-          <a:p>
-            <a:pPr lvl="2"/>
-            <a:r>
-              <a:rPr lang="en-US" dirty="0"/>
-              <a:t>See animation on following slides for setup</a:t>
-            </a:r>
-          </a:p>
-          <a:p>
-            <a:pPr lvl="1"/>
-            <a:r>
-              <a:rPr lang="en-US" dirty="0"/>
-              <a:t>After that: Order of lectures will change (I will update syllabus soon)</a:t>
-            </a:r>
-          </a:p>
-          <a:p>
-            <a:pPr lvl="1"/>
-            <a:endParaRPr lang="en-US" dirty="0"/>
+              <a:t>Clarifications?</a:t>
+            </a:r>
           </a:p>
         </p:txBody>
       </p:sp>
@@ -12455,7 +12425,7 @@
           <p:cNvPr id="4" name="Slide Number Placeholder 3">
             <a:extLst>
               <a:ext uri="{FF2B5EF4-FFF2-40B4-BE49-F238E27FC236}">
-                <a16:creationId xmlns:a16="http://schemas.microsoft.com/office/drawing/2014/main" id="{AB6F050A-9086-2B58-5CB3-68BDF6C2E9E2}"/>
+                <a16:creationId xmlns:a16="http://schemas.microsoft.com/office/drawing/2014/main" id="{4A1136D1-60BE-2515-D3A3-4738D09DFD6C}"/>
               </a:ext>
             </a:extLst>
           </p:cNvPr>
@@ -12466,7 +12436,12 @@
             <p:ph type="sldNum" sz="quarter" idx="12"/>
           </p:nvPr>
         </p:nvSpPr>
-        <p:spPr/>
+        <p:spPr>
+          <a:xfrm>
+            <a:off x="9843655" y="6388834"/>
+            <a:ext cx="1312025" cy="365125"/>
+          </a:xfrm>
+        </p:spPr>
         <p:txBody>
           <a:bodyPr/>
           <a:lstStyle/>
@@ -12482,7 +12457,7 @@
     </p:spTree>
     <p:extLst>
       <p:ext uri="{BB962C8B-B14F-4D97-AF65-F5344CB8AC3E}">
-        <p14:creationId xmlns:p14="http://schemas.microsoft.com/office/powerpoint/2010/main" val="246146471"/>
+        <p14:creationId xmlns:p14="http://schemas.microsoft.com/office/powerpoint/2010/main" val="3896269216"/>
       </p:ext>
     </p:extLst>
   </p:cSld>
@@ -12532,75 +12507,15 @@
           <a:p>
             <a:r>
               <a:rPr lang="en-US" dirty="0"/>
-              <a:t>User Study Setup</a:t>
-            </a:r>
-          </a:p>
-        </p:txBody>
-      </p:sp>
-      <p:sp>
-        <p:nvSpPr>
-          <p:cNvPr id="3" name="Content Placeholder 2">
-            <a:extLst>
-              <a:ext uri="{FF2B5EF4-FFF2-40B4-BE49-F238E27FC236}">
-                <a16:creationId xmlns:a16="http://schemas.microsoft.com/office/drawing/2014/main" id="{0824981E-5A0F-6602-4C69-597134D40C48}"/>
-              </a:ext>
-            </a:extLst>
-          </p:cNvPr>
-          <p:cNvSpPr>
-            <a:spLocks noGrp="1"/>
-          </p:cNvSpPr>
-          <p:nvPr>
-            <p:ph idx="1"/>
-          </p:nvPr>
-        </p:nvSpPr>
-        <p:spPr>
-          <a:xfrm>
-            <a:off x="1097279" y="1845735"/>
-            <a:ext cx="10414535" cy="2630012"/>
-          </a:xfrm>
-        </p:spPr>
-        <p:txBody>
-          <a:bodyPr>
-            <a:normAutofit lnSpcReduction="10000"/>
-          </a:bodyPr>
-          <a:lstStyle/>
-          <a:p>
-            <a:r>
-              <a:rPr lang="en-US" dirty="0"/>
-              <a:t>Divide hour into 6 blocks, each 13 minutes. </a:t>
-            </a:r>
-            <a:br>
-              <a:rPr lang="en-US" dirty="0"/>
-            </a:br>
-            <a:r>
-              <a:rPr lang="en-US" dirty="0"/>
-              <a:t>Each 13 minutes, your table “leader” rotates.</a:t>
-            </a:r>
-            <a:br>
-              <a:rPr lang="en-US" dirty="0"/>
-            </a:br>
-            <a:r>
-              <a:rPr lang="en-US" dirty="0"/>
-              <a:t>You run your study while all other table members participate in it </a:t>
-            </a:r>
-            <a:br>
-              <a:rPr lang="en-US" dirty="0"/>
-            </a:br>
-            <a:r>
-              <a:rPr lang="en-US" dirty="0"/>
-              <a:t>To avoid distracting you, I keep time using a PowerPoint animation</a:t>
-            </a:r>
-          </a:p>
-          <a:p>
-            <a:r>
-              <a:rPr lang="en-US" dirty="0"/>
-              <a:t>Timing is approximate: It’s okay to take longer if you’re having fun</a:t>
-            </a:r>
-          </a:p>
-          <a:p>
-            <a:r>
-              <a:rPr lang="en-US" b="1" dirty="0"/>
-              <a:t>Clarifications?</a:t>
+              <a:t>Animation: 1</a:t>
+            </a:r>
+            <a:r>
+              <a:rPr lang="en-US" baseline="30000" dirty="0"/>
+              <a:t>st</a:t>
+            </a:r>
+            <a:r>
+              <a:rPr lang="en-US" dirty="0"/>
+              <a:t> Study</a:t>
             </a:r>
           </a:p>
         </p:txBody>
@@ -12634,106 +12549,6 @@
             <a:fld id="{9BF27F29-4B64-4A24-936A-FF41C34C242B}" type="slidenum">
               <a:rPr lang="en-US" smtClean="0"/>
               <a:t>24</a:t>
-            </a:fld>
-            <a:endParaRPr lang="en-US"/>
-          </a:p>
-        </p:txBody>
-      </p:sp>
-    </p:spTree>
-    <p:extLst>
-      <p:ext uri="{BB962C8B-B14F-4D97-AF65-F5344CB8AC3E}">
-        <p14:creationId xmlns:p14="http://schemas.microsoft.com/office/powerpoint/2010/main" val="3896269216"/>
-      </p:ext>
-    </p:extLst>
-  </p:cSld>
-  <p:clrMapOvr>
-    <a:masterClrMapping/>
-  </p:clrMapOvr>
-</p:sld>
-</file>
-
-<file path=ppt/slides/slide25.xml><?xml version="1.0" encoding="utf-8"?>
-<p:sld xmlns:a="http://schemas.openxmlformats.org/drawingml/2006/main" xmlns:r="http://schemas.openxmlformats.org/officeDocument/2006/relationships" xmlns:p="http://schemas.openxmlformats.org/presentationml/2006/main">
-  <p:cSld>
-    <p:spTree>
-      <p:nvGrpSpPr>
-        <p:cNvPr id="1" name=""/>
-        <p:cNvGrpSpPr/>
-        <p:nvPr/>
-      </p:nvGrpSpPr>
-      <p:grpSpPr>
-        <a:xfrm>
-          <a:off x="0" y="0"/>
-          <a:ext cx="0" cy="0"/>
-          <a:chOff x="0" y="0"/>
-          <a:chExt cx="0" cy="0"/>
-        </a:xfrm>
-      </p:grpSpPr>
-      <p:sp>
-        <p:nvSpPr>
-          <p:cNvPr id="2" name="Title 1">
-            <a:extLst>
-              <a:ext uri="{FF2B5EF4-FFF2-40B4-BE49-F238E27FC236}">
-                <a16:creationId xmlns:a16="http://schemas.microsoft.com/office/drawing/2014/main" id="{E0EA43B9-C87C-428A-96F9-1FE6BC090A7D}"/>
-              </a:ext>
-            </a:extLst>
-          </p:cNvPr>
-          <p:cNvSpPr>
-            <a:spLocks noGrp="1"/>
-          </p:cNvSpPr>
-          <p:nvPr>
-            <p:ph type="title"/>
-          </p:nvPr>
-        </p:nvSpPr>
-        <p:spPr/>
-        <p:txBody>
-          <a:bodyPr/>
-          <a:lstStyle/>
-          <a:p>
-            <a:r>
-              <a:rPr lang="en-US" dirty="0"/>
-              <a:t>Animation: 1</a:t>
-            </a:r>
-            <a:r>
-              <a:rPr lang="en-US" baseline="30000" dirty="0"/>
-              <a:t>st</a:t>
-            </a:r>
-            <a:r>
-              <a:rPr lang="en-US" dirty="0"/>
-              <a:t> Study</a:t>
-            </a:r>
-          </a:p>
-        </p:txBody>
-      </p:sp>
-      <p:sp>
-        <p:nvSpPr>
-          <p:cNvPr id="4" name="Slide Number Placeholder 3">
-            <a:extLst>
-              <a:ext uri="{FF2B5EF4-FFF2-40B4-BE49-F238E27FC236}">
-                <a16:creationId xmlns:a16="http://schemas.microsoft.com/office/drawing/2014/main" id="{4A1136D1-60BE-2515-D3A3-4738D09DFD6C}"/>
-              </a:ext>
-            </a:extLst>
-          </p:cNvPr>
-          <p:cNvSpPr>
-            <a:spLocks noGrp="1"/>
-          </p:cNvSpPr>
-          <p:nvPr>
-            <p:ph type="sldNum" sz="quarter" idx="12"/>
-          </p:nvPr>
-        </p:nvSpPr>
-        <p:spPr>
-          <a:xfrm>
-            <a:off x="9843655" y="6388834"/>
-            <a:ext cx="1312025" cy="365125"/>
-          </a:xfrm>
-        </p:spPr>
-        <p:txBody>
-          <a:bodyPr/>
-          <a:lstStyle/>
-          <a:p>
-            <a:fld id="{9BF27F29-4B64-4A24-936A-FF41C34C242B}" type="slidenum">
-              <a:rPr lang="en-US" smtClean="0"/>
-              <a:t>25</a:t>
             </a:fld>
             <a:endParaRPr lang="en-US"/>
           </a:p>
@@ -13268,7 +13083,7 @@
 </p:sld>
 </file>
 
-<file path=ppt/slides/slide26.xml><?xml version="1.0" encoding="utf-8"?>
+<file path=ppt/slides/slide25.xml><?xml version="1.0" encoding="utf-8"?>
 <p:sld xmlns:a="http://schemas.openxmlformats.org/drawingml/2006/main" xmlns:r="http://schemas.openxmlformats.org/officeDocument/2006/relationships" xmlns:p="http://schemas.openxmlformats.org/presentationml/2006/main">
   <p:cSld>
     <p:spTree>
@@ -13349,7 +13164,7 @@
           <a:p>
             <a:fld id="{9BF27F29-4B64-4A24-936A-FF41C34C242B}" type="slidenum">
               <a:rPr lang="en-US" smtClean="0"/>
-              <a:t>26</a:t>
+              <a:t>25</a:t>
             </a:fld>
             <a:endParaRPr lang="en-US"/>
           </a:p>
@@ -13884,7 +13699,7 @@
 </p:sld>
 </file>
 
-<file path=ppt/slides/slide27.xml><?xml version="1.0" encoding="utf-8"?>
+<file path=ppt/slides/slide26.xml><?xml version="1.0" encoding="utf-8"?>
 <p:sld xmlns:a="http://schemas.openxmlformats.org/drawingml/2006/main" xmlns:r="http://schemas.openxmlformats.org/officeDocument/2006/relationships" xmlns:p="http://schemas.openxmlformats.org/presentationml/2006/main">
   <p:cSld>
     <p:spTree>
@@ -13965,7 +13780,7 @@
           <a:p>
             <a:fld id="{9BF27F29-4B64-4A24-936A-FF41C34C242B}" type="slidenum">
               <a:rPr lang="en-US" smtClean="0"/>
-              <a:t>27</a:t>
+              <a:t>26</a:t>
             </a:fld>
             <a:endParaRPr lang="en-US"/>
           </a:p>
@@ -14500,7 +14315,7 @@
 </p:sld>
 </file>
 
-<file path=ppt/slides/slide28.xml><?xml version="1.0" encoding="utf-8"?>
+<file path=ppt/slides/slide27.xml><?xml version="1.0" encoding="utf-8"?>
 <p:sld xmlns:a="http://schemas.openxmlformats.org/drawingml/2006/main" xmlns:r="http://schemas.openxmlformats.org/officeDocument/2006/relationships" xmlns:p="http://schemas.openxmlformats.org/presentationml/2006/main">
   <p:cSld>
     <p:spTree>
@@ -14581,7 +14396,7 @@
           <a:p>
             <a:fld id="{9BF27F29-4B64-4A24-936A-FF41C34C242B}" type="slidenum">
               <a:rPr lang="en-US" smtClean="0"/>
-              <a:t>28</a:t>
+              <a:t>27</a:t>
             </a:fld>
             <a:endParaRPr lang="en-US"/>
           </a:p>
@@ -15116,7 +14931,7 @@
 </p:sld>
 </file>
 
-<file path=ppt/slides/slide29.xml><?xml version="1.0" encoding="utf-8"?>
+<file path=ppt/slides/slide28.xml><?xml version="1.0" encoding="utf-8"?>
 <p:sld xmlns:a="http://schemas.openxmlformats.org/drawingml/2006/main" xmlns:r="http://schemas.openxmlformats.org/officeDocument/2006/relationships" xmlns:p="http://schemas.openxmlformats.org/presentationml/2006/main">
   <p:cSld>
     <p:spTree>
@@ -15197,7 +15012,7 @@
           <a:p>
             <a:fld id="{9BF27F29-4B64-4A24-936A-FF41C34C242B}" type="slidenum">
               <a:rPr lang="en-US" smtClean="0"/>
-              <a:t>29</a:t>
+              <a:t>28</a:t>
             </a:fld>
             <a:endParaRPr lang="en-US"/>
           </a:p>
@@ -15732,7 +15547,7 @@
 </p:sld>
 </file>
 
-<file path=ppt/slides/slide3.xml><?xml version="1.0" encoding="utf-8"?>
+<file path=ppt/slides/slide29.xml><?xml version="1.0" encoding="utf-8"?>
 <p:sld xmlns:a="http://schemas.openxmlformats.org/drawingml/2006/main" xmlns:r="http://schemas.openxmlformats.org/officeDocument/2006/relationships" xmlns:p="http://schemas.openxmlformats.org/presentationml/2006/main">
   <p:cSld>
     <p:spTree>
@@ -15754,118 +15569,6 @@
           <p:cNvPr id="2" name="Title 1">
             <a:extLst>
               <a:ext uri="{FF2B5EF4-FFF2-40B4-BE49-F238E27FC236}">
-                <a16:creationId xmlns:a16="http://schemas.microsoft.com/office/drawing/2014/main" id="{B62A01DE-372C-C9B2-C2F0-BFF48AB024E9}"/>
-              </a:ext>
-            </a:extLst>
-          </p:cNvPr>
-          <p:cNvSpPr>
-            <a:spLocks noGrp="1"/>
-          </p:cNvSpPr>
-          <p:nvPr>
-            <p:ph type="title"/>
-          </p:nvPr>
-        </p:nvSpPr>
-        <p:spPr/>
-        <p:txBody>
-          <a:bodyPr/>
-          <a:lstStyle/>
-          <a:p>
-            <a:r>
-              <a:rPr lang="en-US" dirty="0"/>
-              <a:t>Section: Quantitative Surveys</a:t>
-            </a:r>
-          </a:p>
-        </p:txBody>
-      </p:sp>
-      <p:sp>
-        <p:nvSpPr>
-          <p:cNvPr id="3" name="Content Placeholder 2">
-            <a:extLst>
-              <a:ext uri="{FF2B5EF4-FFF2-40B4-BE49-F238E27FC236}">
-                <a16:creationId xmlns:a16="http://schemas.microsoft.com/office/drawing/2014/main" id="{79EAFF50-A0D4-1205-C3E5-A15D599DE87C}"/>
-              </a:ext>
-            </a:extLst>
-          </p:cNvPr>
-          <p:cNvSpPr>
-            <a:spLocks noGrp="1"/>
-          </p:cNvSpPr>
-          <p:nvPr>
-            <p:ph idx="1"/>
-          </p:nvPr>
-        </p:nvSpPr>
-        <p:spPr/>
-        <p:txBody>
-          <a:bodyPr/>
-          <a:lstStyle/>
-          <a:p>
-            <a:endParaRPr lang="en-US" dirty="0"/>
-          </a:p>
-        </p:txBody>
-      </p:sp>
-      <p:sp>
-        <p:nvSpPr>
-          <p:cNvPr id="4" name="Slide Number Placeholder 3">
-            <a:extLst>
-              <a:ext uri="{FF2B5EF4-FFF2-40B4-BE49-F238E27FC236}">
-                <a16:creationId xmlns:a16="http://schemas.microsoft.com/office/drawing/2014/main" id="{E48ABC6F-EB83-430F-1658-521A7987FBDB}"/>
-              </a:ext>
-            </a:extLst>
-          </p:cNvPr>
-          <p:cNvSpPr>
-            <a:spLocks noGrp="1"/>
-          </p:cNvSpPr>
-          <p:nvPr>
-            <p:ph type="sldNum" sz="quarter" idx="12"/>
-          </p:nvPr>
-        </p:nvSpPr>
-        <p:spPr/>
-        <p:txBody>
-          <a:bodyPr/>
-          <a:lstStyle/>
-          <a:p>
-            <a:fld id="{9BF27F29-4B64-4A24-936A-FF41C34C242B}" type="slidenum">
-              <a:rPr lang="en-US" smtClean="0"/>
-              <a:t>3</a:t>
-            </a:fld>
-            <a:endParaRPr lang="en-US"/>
-          </a:p>
-        </p:txBody>
-      </p:sp>
-    </p:spTree>
-    <p:extLst>
-      <p:ext uri="{BB962C8B-B14F-4D97-AF65-F5344CB8AC3E}">
-        <p14:creationId xmlns:p14="http://schemas.microsoft.com/office/powerpoint/2010/main" val="2226111507"/>
-      </p:ext>
-    </p:extLst>
-  </p:cSld>
-  <p:clrMapOvr>
-    <a:masterClrMapping/>
-  </p:clrMapOvr>
-</p:sld>
-</file>
-
-<file path=ppt/slides/slide30.xml><?xml version="1.0" encoding="utf-8"?>
-<p:sld xmlns:a="http://schemas.openxmlformats.org/drawingml/2006/main" xmlns:r="http://schemas.openxmlformats.org/officeDocument/2006/relationships" xmlns:p="http://schemas.openxmlformats.org/presentationml/2006/main">
-  <p:cSld>
-    <p:spTree>
-      <p:nvGrpSpPr>
-        <p:cNvPr id="1" name=""/>
-        <p:cNvGrpSpPr/>
-        <p:nvPr/>
-      </p:nvGrpSpPr>
-      <p:grpSpPr>
-        <a:xfrm>
-          <a:off x="0" y="0"/>
-          <a:ext cx="0" cy="0"/>
-          <a:chOff x="0" y="0"/>
-          <a:chExt cx="0" cy="0"/>
-        </a:xfrm>
-      </p:grpSpPr>
-      <p:sp>
-        <p:nvSpPr>
-          <p:cNvPr id="2" name="Title 1">
-            <a:extLst>
-              <a:ext uri="{FF2B5EF4-FFF2-40B4-BE49-F238E27FC236}">
                 <a16:creationId xmlns:a16="http://schemas.microsoft.com/office/drawing/2014/main" id="{E0EA43B9-C87C-428A-96F9-1FE6BC090A7D}"/>
               </a:ext>
             </a:extLst>
@@ -15925,7 +15628,7 @@
           <a:p>
             <a:fld id="{9BF27F29-4B64-4A24-936A-FF41C34C242B}" type="slidenum">
               <a:rPr lang="en-US" smtClean="0"/>
-              <a:t>30</a:t>
+              <a:t>29</a:t>
             </a:fld>
             <a:endParaRPr lang="en-US"/>
           </a:p>
@@ -16460,6 +16163,249 @@
 </p:sld>
 </file>
 
+<file path=ppt/slides/slide3.xml><?xml version="1.0" encoding="utf-8"?>
+<p:sld xmlns:a="http://schemas.openxmlformats.org/drawingml/2006/main" xmlns:r="http://schemas.openxmlformats.org/officeDocument/2006/relationships" xmlns:p="http://schemas.openxmlformats.org/presentationml/2006/main">
+  <p:cSld>
+    <p:spTree>
+      <p:nvGrpSpPr>
+        <p:cNvPr id="1" name=""/>
+        <p:cNvGrpSpPr/>
+        <p:nvPr/>
+      </p:nvGrpSpPr>
+      <p:grpSpPr>
+        <a:xfrm>
+          <a:off x="0" y="0"/>
+          <a:ext cx="0" cy="0"/>
+          <a:chOff x="0" y="0"/>
+          <a:chExt cx="0" cy="0"/>
+        </a:xfrm>
+      </p:grpSpPr>
+      <p:sp>
+        <p:nvSpPr>
+          <p:cNvPr id="2" name="Title 1">
+            <a:extLst>
+              <a:ext uri="{FF2B5EF4-FFF2-40B4-BE49-F238E27FC236}">
+                <a16:creationId xmlns:a16="http://schemas.microsoft.com/office/drawing/2014/main" id="{B62A01DE-372C-C9B2-C2F0-BFF48AB024E9}"/>
+              </a:ext>
+            </a:extLst>
+          </p:cNvPr>
+          <p:cNvSpPr>
+            <a:spLocks noGrp="1"/>
+          </p:cNvSpPr>
+          <p:nvPr>
+            <p:ph type="title"/>
+          </p:nvPr>
+        </p:nvSpPr>
+        <p:spPr/>
+        <p:txBody>
+          <a:bodyPr/>
+          <a:lstStyle/>
+          <a:p>
+            <a:r>
+              <a:rPr lang="en-US" dirty="0"/>
+              <a:t>Section: Quantitative Surveys</a:t>
+            </a:r>
+          </a:p>
+        </p:txBody>
+      </p:sp>
+      <p:sp>
+        <p:nvSpPr>
+          <p:cNvPr id="3" name="Content Placeholder 2">
+            <a:extLst>
+              <a:ext uri="{FF2B5EF4-FFF2-40B4-BE49-F238E27FC236}">
+                <a16:creationId xmlns:a16="http://schemas.microsoft.com/office/drawing/2014/main" id="{79EAFF50-A0D4-1205-C3E5-A15D599DE87C}"/>
+              </a:ext>
+            </a:extLst>
+          </p:cNvPr>
+          <p:cNvSpPr>
+            <a:spLocks noGrp="1"/>
+          </p:cNvSpPr>
+          <p:nvPr>
+            <p:ph idx="1"/>
+          </p:nvPr>
+        </p:nvSpPr>
+        <p:spPr/>
+        <p:txBody>
+          <a:bodyPr/>
+          <a:lstStyle/>
+          <a:p>
+            <a:endParaRPr lang="en-US" dirty="0"/>
+          </a:p>
+        </p:txBody>
+      </p:sp>
+      <p:sp>
+        <p:nvSpPr>
+          <p:cNvPr id="4" name="Slide Number Placeholder 3">
+            <a:extLst>
+              <a:ext uri="{FF2B5EF4-FFF2-40B4-BE49-F238E27FC236}">
+                <a16:creationId xmlns:a16="http://schemas.microsoft.com/office/drawing/2014/main" id="{E48ABC6F-EB83-430F-1658-521A7987FBDB}"/>
+              </a:ext>
+            </a:extLst>
+          </p:cNvPr>
+          <p:cNvSpPr>
+            <a:spLocks noGrp="1"/>
+          </p:cNvSpPr>
+          <p:nvPr>
+            <p:ph type="sldNum" sz="quarter" idx="12"/>
+          </p:nvPr>
+        </p:nvSpPr>
+        <p:spPr/>
+        <p:txBody>
+          <a:bodyPr/>
+          <a:lstStyle/>
+          <a:p>
+            <a:fld id="{9BF27F29-4B64-4A24-936A-FF41C34C242B}" type="slidenum">
+              <a:rPr lang="en-US" smtClean="0"/>
+              <a:t>3</a:t>
+            </a:fld>
+            <a:endParaRPr lang="en-US"/>
+          </a:p>
+        </p:txBody>
+      </p:sp>
+    </p:spTree>
+    <p:extLst>
+      <p:ext uri="{BB962C8B-B14F-4D97-AF65-F5344CB8AC3E}">
+        <p14:creationId xmlns:p14="http://schemas.microsoft.com/office/powerpoint/2010/main" val="2226111507"/>
+      </p:ext>
+    </p:extLst>
+  </p:cSld>
+  <p:clrMapOvr>
+    <a:masterClrMapping/>
+  </p:clrMapOvr>
+</p:sld>
+</file>
+
+<file path=ppt/slides/slide30.xml><?xml version="1.0" encoding="utf-8"?>
+<p:sld xmlns:a="http://schemas.openxmlformats.org/drawingml/2006/main" xmlns:r="http://schemas.openxmlformats.org/officeDocument/2006/relationships" xmlns:p="http://schemas.openxmlformats.org/presentationml/2006/main">
+  <p:cSld>
+    <p:spTree>
+      <p:nvGrpSpPr>
+        <p:cNvPr id="1" name=""/>
+        <p:cNvGrpSpPr/>
+        <p:nvPr/>
+      </p:nvGrpSpPr>
+      <p:grpSpPr>
+        <a:xfrm>
+          <a:off x="0" y="0"/>
+          <a:ext cx="0" cy="0"/>
+          <a:chOff x="0" y="0"/>
+          <a:chExt cx="0" cy="0"/>
+        </a:xfrm>
+      </p:grpSpPr>
+      <p:sp>
+        <p:nvSpPr>
+          <p:cNvPr id="2" name="Title 1">
+            <a:extLst>
+              <a:ext uri="{FF2B5EF4-FFF2-40B4-BE49-F238E27FC236}">
+                <a16:creationId xmlns:a16="http://schemas.microsoft.com/office/drawing/2014/main" id="{B9D00F4E-6C96-F04E-6F48-248F6715C7E0}"/>
+              </a:ext>
+            </a:extLst>
+          </p:cNvPr>
+          <p:cNvSpPr>
+            <a:spLocks noGrp="1"/>
+          </p:cNvSpPr>
+          <p:nvPr>
+            <p:ph type="title"/>
+          </p:nvPr>
+        </p:nvSpPr>
+        <p:spPr/>
+        <p:txBody>
+          <a:bodyPr/>
+          <a:lstStyle/>
+          <a:p>
+            <a:r>
+              <a:rPr lang="en-US" dirty="0"/>
+              <a:t>Lecture Outline:</a:t>
+            </a:r>
+          </a:p>
+        </p:txBody>
+      </p:sp>
+      <p:sp>
+        <p:nvSpPr>
+          <p:cNvPr id="3" name="Content Placeholder 2">
+            <a:extLst>
+              <a:ext uri="{FF2B5EF4-FFF2-40B4-BE49-F238E27FC236}">
+                <a16:creationId xmlns:a16="http://schemas.microsoft.com/office/drawing/2014/main" id="{D222BADF-8C10-8870-8012-1D345E7183C3}"/>
+              </a:ext>
+            </a:extLst>
+          </p:cNvPr>
+          <p:cNvSpPr>
+            <a:spLocks noGrp="1"/>
+          </p:cNvSpPr>
+          <p:nvPr>
+            <p:ph idx="1"/>
+          </p:nvPr>
+        </p:nvSpPr>
+        <p:spPr/>
+        <p:txBody>
+          <a:bodyPr/>
+          <a:lstStyle/>
+          <a:p>
+            <a:r>
+              <a:rPr lang="en-US" dirty="0" err="1"/>
+              <a:t>Randomo</a:t>
+            </a:r>
+            <a:r>
+              <a:rPr lang="en-US" dirty="0"/>
+              <a:t> Study</a:t>
+            </a:r>
+          </a:p>
+          <a:p>
+            <a:r>
+              <a:rPr lang="en-US" dirty="0"/>
+              <a:t>Inclusive Study Design</a:t>
+            </a:r>
+          </a:p>
+          <a:p>
+            <a:r>
+              <a:rPr lang="en-US" dirty="0"/>
+              <a:t>Qualitative Methods, Time-permitting</a:t>
+            </a:r>
+          </a:p>
+        </p:txBody>
+      </p:sp>
+      <p:sp>
+        <p:nvSpPr>
+          <p:cNvPr id="4" name="Slide Number Placeholder 3">
+            <a:extLst>
+              <a:ext uri="{FF2B5EF4-FFF2-40B4-BE49-F238E27FC236}">
+                <a16:creationId xmlns:a16="http://schemas.microsoft.com/office/drawing/2014/main" id="{C8790943-8E57-EF71-505B-3BF0E4711BE3}"/>
+              </a:ext>
+            </a:extLst>
+          </p:cNvPr>
+          <p:cNvSpPr>
+            <a:spLocks noGrp="1"/>
+          </p:cNvSpPr>
+          <p:nvPr>
+            <p:ph type="sldNum" sz="quarter" idx="12"/>
+          </p:nvPr>
+        </p:nvSpPr>
+        <p:spPr/>
+        <p:txBody>
+          <a:bodyPr/>
+          <a:lstStyle/>
+          <a:p>
+            <a:fld id="{9BF27F29-4B64-4A24-936A-FF41C34C242B}" type="slidenum">
+              <a:rPr lang="en-US" smtClean="0"/>
+              <a:t>30</a:t>
+            </a:fld>
+            <a:endParaRPr lang="en-US"/>
+          </a:p>
+        </p:txBody>
+      </p:sp>
+    </p:spTree>
+    <p:extLst>
+      <p:ext uri="{BB962C8B-B14F-4D97-AF65-F5344CB8AC3E}">
+        <p14:creationId xmlns:p14="http://schemas.microsoft.com/office/powerpoint/2010/main" val="2142112727"/>
+      </p:ext>
+    </p:extLst>
+  </p:cSld>
+  <p:clrMapOvr>
+    <a:masterClrMapping/>
+  </p:clrMapOvr>
+</p:sld>
+</file>
+
 <file path=ppt/slides/slide31.xml><?xml version="1.0" encoding="utf-8"?>
 <p:sld xmlns:a="http://schemas.openxmlformats.org/drawingml/2006/main" xmlns:r="http://schemas.openxmlformats.org/officeDocument/2006/relationships" xmlns:p="http://schemas.openxmlformats.org/presentationml/2006/main">
   <p:cSld>
@@ -16482,7 +16428,7 @@
           <p:cNvPr id="2" name="Title 1">
             <a:extLst>
               <a:ext uri="{FF2B5EF4-FFF2-40B4-BE49-F238E27FC236}">
-                <a16:creationId xmlns:a16="http://schemas.microsoft.com/office/drawing/2014/main" id="{B9D00F4E-6C96-F04E-6F48-248F6715C7E0}"/>
+                <a16:creationId xmlns:a16="http://schemas.microsoft.com/office/drawing/2014/main" id="{FE76E960-C5CD-DD75-78ED-8FB65B8BE67E}"/>
               </a:ext>
             </a:extLst>
           </p:cNvPr>
@@ -16500,51 +16446,125 @@
           <a:p>
             <a:r>
               <a:rPr lang="en-US" dirty="0"/>
-              <a:t>Lecture Outline:</a:t>
-            </a:r>
-          </a:p>
-        </p:txBody>
-      </p:sp>
-      <p:sp>
-        <p:nvSpPr>
-          <p:cNvPr id="3" name="Content Placeholder 2">
-            <a:extLst>
-              <a:ext uri="{FF2B5EF4-FFF2-40B4-BE49-F238E27FC236}">
-                <a16:creationId xmlns:a16="http://schemas.microsoft.com/office/drawing/2014/main" id="{D222BADF-8C10-8870-8012-1D345E7183C3}"/>
-              </a:ext>
-            </a:extLst>
-          </p:cNvPr>
-          <p:cNvSpPr>
-            <a:spLocks noGrp="1"/>
-          </p:cNvSpPr>
-          <p:nvPr>
-            <p:ph idx="1"/>
-          </p:nvPr>
-        </p:nvSpPr>
-        <p:spPr/>
-        <p:txBody>
-          <a:bodyPr/>
-          <a:lstStyle/>
-          <a:p>
+              <a:t>Richer Quantitative Data: Extended example, </a:t>
+            </a:r>
             <a:r>
               <a:rPr lang="en-US" dirty="0" err="1"/>
               <a:t>Randomo</a:t>
             </a:r>
             <a:r>
               <a:rPr lang="en-US" dirty="0"/>
-              <a:t> Study</a:t>
-            </a:r>
-          </a:p>
-          <a:p>
-            <a:r>
-              <a:rPr lang="en-US" dirty="0"/>
-              <a:t>Inclusive Study Design</a:t>
-            </a:r>
-          </a:p>
-          <a:p>
-            <a:r>
-              <a:rPr lang="en-US" dirty="0"/>
-              <a:t>Qualitative Methods, Time-permitting</a:t>
+              <a:t> </a:t>
+            </a:r>
+          </a:p>
+        </p:txBody>
+      </p:sp>
+      <p:sp>
+        <p:nvSpPr>
+          <p:cNvPr id="3" name="Content Placeholder 2">
+            <a:extLst>
+              <a:ext uri="{FF2B5EF4-FFF2-40B4-BE49-F238E27FC236}">
+                <a16:creationId xmlns:a16="http://schemas.microsoft.com/office/drawing/2014/main" id="{03FD7AFA-0580-BD95-E1D7-0A1BC8D2C0F7}"/>
+              </a:ext>
+            </a:extLst>
+          </p:cNvPr>
+          <p:cNvSpPr>
+            <a:spLocks noGrp="1"/>
+          </p:cNvSpPr>
+          <p:nvPr>
+            <p:ph idx="1"/>
+          </p:nvPr>
+        </p:nvSpPr>
+        <p:spPr/>
+        <p:txBody>
+          <a:bodyPr>
+            <a:normAutofit fontScale="92500" lnSpcReduction="10000"/>
+          </a:bodyPr>
+          <a:lstStyle/>
+          <a:p>
+            <a:r>
+              <a:rPr lang="en-US" b="1" dirty="0"/>
+              <a:t>Takeaway:</a:t>
+            </a:r>
+            <a:r>
+              <a:rPr lang="en-US" dirty="0"/>
+              <a:t> Quantitative studies do not have to be 1-dimensional</a:t>
+            </a:r>
+            <a:br>
+              <a:rPr lang="en-US" b="1" dirty="0"/>
+            </a:br>
+            <a:r>
+              <a:rPr lang="en-US" dirty="0"/>
+              <a:t>“Multi-dimensional quantitative study” = measure &gt;1 number</a:t>
+            </a:r>
+          </a:p>
+          <a:p>
+            <a:r>
+              <a:rPr lang="en-US" b="1" dirty="0"/>
+              <a:t>Example:</a:t>
+            </a:r>
+            <a:r>
+              <a:rPr lang="en-US" dirty="0"/>
+              <a:t> “The </a:t>
+            </a:r>
+            <a:r>
+              <a:rPr lang="en-US" dirty="0" err="1"/>
+              <a:t>Randomo</a:t>
+            </a:r>
+            <a:r>
+              <a:rPr lang="en-US" dirty="0"/>
+              <a:t> Study”</a:t>
+            </a:r>
+          </a:p>
+          <a:p>
+            <a:r>
+              <a:rPr lang="en-US" b="1" dirty="0"/>
+              <a:t>Long-term Goal:</a:t>
+            </a:r>
+            <a:r>
+              <a:rPr lang="en-US" dirty="0"/>
+              <a:t> Base PL syntax choices on empirical data</a:t>
+            </a:r>
+          </a:p>
+          <a:p>
+            <a:r>
+              <a:rPr lang="en-US" b="1" dirty="0"/>
+              <a:t>Immediate research questions (RQs):</a:t>
+            </a:r>
+          </a:p>
+          <a:p>
+            <a:pPr lvl="1"/>
+            <a:r>
+              <a:rPr lang="en-US" b="1" dirty="0"/>
+              <a:t>RQ1. </a:t>
+            </a:r>
+            <a:r>
+              <a:rPr lang="en-US" dirty="0"/>
+              <a:t>“Which words and symbols do novices find intuitive (or not intuitive) in a general-purpose programming language?“</a:t>
+            </a:r>
+          </a:p>
+          <a:p>
+            <a:pPr lvl="1"/>
+            <a:r>
+              <a:rPr lang="en-US" b="1" dirty="0"/>
+              <a:t>RQ2.  “</a:t>
+            </a:r>
+            <a:r>
+              <a:rPr lang="en-US" dirty="0"/>
+              <a:t>Can novices using programming languages for the first time write simple</a:t>
+            </a:r>
+            <a:br>
+              <a:rPr lang="en-US" dirty="0"/>
+            </a:br>
+            <a:r>
+              <a:rPr lang="en-US" dirty="0"/>
+              <a:t>computer programs more accurately using alternative programming languages?”</a:t>
+            </a:r>
+          </a:p>
+          <a:p>
+            <a:r>
+              <a:rPr lang="en-US" b="1" dirty="0"/>
+              <a:t>Need complex data to answer research questions</a:t>
             </a:r>
           </a:p>
         </p:txBody>
@@ -16554,7 +16574,7 @@
           <p:cNvPr id="4" name="Slide Number Placeholder 3">
             <a:extLst>
               <a:ext uri="{FF2B5EF4-FFF2-40B4-BE49-F238E27FC236}">
-                <a16:creationId xmlns:a16="http://schemas.microsoft.com/office/drawing/2014/main" id="{C8790943-8E57-EF71-505B-3BF0E4711BE3}"/>
+                <a16:creationId xmlns:a16="http://schemas.microsoft.com/office/drawing/2014/main" id="{1707499D-5413-FC79-9CB9-28C86CFC17E7}"/>
               </a:ext>
             </a:extLst>
           </p:cNvPr>
@@ -16581,7 +16601,7 @@
     </p:spTree>
     <p:extLst>
       <p:ext uri="{BB962C8B-B14F-4D97-AF65-F5344CB8AC3E}">
-        <p14:creationId xmlns:p14="http://schemas.microsoft.com/office/powerpoint/2010/main" val="2142112727"/>
+        <p14:creationId xmlns:p14="http://schemas.microsoft.com/office/powerpoint/2010/main" val="3655739092"/>
       </p:ext>
     </p:extLst>
   </p:cSld>
@@ -16613,7 +16633,7 @@
           <p:cNvPr id="2" name="Title 1">
             <a:extLst>
               <a:ext uri="{FF2B5EF4-FFF2-40B4-BE49-F238E27FC236}">
-                <a16:creationId xmlns:a16="http://schemas.microsoft.com/office/drawing/2014/main" id="{FE76E960-C5CD-DD75-78ED-8FB65B8BE67E}"/>
+                <a16:creationId xmlns:a16="http://schemas.microsoft.com/office/drawing/2014/main" id="{EC2FB499-A1FA-CFCB-EDB9-4C0BE9162CE3}"/>
               </a:ext>
             </a:extLst>
           </p:cNvPr>
@@ -16631,15 +16651,7 @@
           <a:p>
             <a:r>
               <a:rPr lang="en-US" dirty="0"/>
-              <a:t>Richer Quantitative Data: Extended example, </a:t>
-            </a:r>
-            <a:r>
-              <a:rPr lang="en-US" dirty="0" err="1"/>
-              <a:t>Randomo</a:t>
-            </a:r>
-            <a:r>
-              <a:rPr lang="en-US" dirty="0"/>
-              <a:t> </a:t>
+              <a:t>Study 1:  Keywords</a:t>
             </a:r>
           </a:p>
         </p:txBody>
@@ -16649,7 +16661,7 @@
           <p:cNvPr id="3" name="Content Placeholder 2">
             <a:extLst>
               <a:ext uri="{FF2B5EF4-FFF2-40B4-BE49-F238E27FC236}">
-                <a16:creationId xmlns:a16="http://schemas.microsoft.com/office/drawing/2014/main" id="{03FD7AFA-0580-BD95-E1D7-0A1BC8D2C0F7}"/>
+                <a16:creationId xmlns:a16="http://schemas.microsoft.com/office/drawing/2014/main" id="{92FE8AE9-3EE9-58A9-2859-954EF4C8FCA0}"/>
               </a:ext>
             </a:extLst>
           </p:cNvPr>
@@ -16662,95 +16674,52 @@
         </p:nvSpPr>
         <p:spPr/>
         <p:txBody>
-          <a:bodyPr>
-            <a:normAutofit fontScale="92500" lnSpcReduction="10000"/>
-          </a:bodyPr>
-          <a:lstStyle/>
-          <a:p>
-            <a:r>
-              <a:rPr lang="en-US" b="1" dirty="0"/>
-              <a:t>Takeaway:</a:t>
-            </a:r>
-            <a:r>
-              <a:rPr lang="en-US" dirty="0"/>
-              <a:t> Quantitative studies do not have to be 1-dimensional</a:t>
-            </a:r>
-            <a:br>
-              <a:rPr lang="en-US" b="1" dirty="0"/>
-            </a:br>
-            <a:r>
-              <a:rPr lang="en-US" dirty="0"/>
-              <a:t>“Multi-dimensional quantitative study” = measure &gt;1 number</a:t>
-            </a:r>
-          </a:p>
-          <a:p>
-            <a:r>
-              <a:rPr lang="en-US" b="1" dirty="0"/>
-              <a:t>Example:</a:t>
-            </a:r>
-            <a:r>
-              <a:rPr lang="en-US" dirty="0"/>
-              <a:t> “The </a:t>
-            </a:r>
-            <a:r>
-              <a:rPr lang="en-US" dirty="0" err="1"/>
-              <a:t>Randomo</a:t>
-            </a:r>
-            <a:r>
-              <a:rPr lang="en-US" dirty="0"/>
-              <a:t> Study”</a:t>
-            </a:r>
-          </a:p>
-          <a:p>
-            <a:r>
-              <a:rPr lang="en-US" b="1" dirty="0"/>
-              <a:t>Long-term Goal:</a:t>
-            </a:r>
-            <a:r>
-              <a:rPr lang="en-US" dirty="0"/>
-              <a:t> Base PL syntax choices on empirical data</a:t>
-            </a:r>
-          </a:p>
-          <a:p>
-            <a:r>
-              <a:rPr lang="en-US" b="1" dirty="0"/>
-              <a:t>Immediate research questions (RQs):</a:t>
+          <a:bodyPr/>
+          <a:lstStyle/>
+          <a:p>
+            <a:r>
+              <a:rPr lang="en-US" dirty="0"/>
+              <a:t>1. Give the participants a description of some PL concept</a:t>
             </a:r>
           </a:p>
           <a:p>
             <a:pPr lvl="1"/>
             <a:r>
-              <a:rPr lang="en-US" b="1" dirty="0"/>
-              <a:t>RQ1. </a:t>
-            </a:r>
-            <a:r>
-              <a:rPr lang="en-US" dirty="0"/>
-              <a:t>“Which words and symbols do novices find intuitive (or not intuitive) in a general-purpose programming language?“</a:t>
-            </a:r>
-          </a:p>
-          <a:p>
-            <a:pPr lvl="1"/>
-            <a:r>
-              <a:rPr lang="en-US" b="1" dirty="0"/>
-              <a:t>RQ2.  “</a:t>
-            </a:r>
-            <a:r>
-              <a:rPr lang="en-US" dirty="0"/>
-              <a:t>Can novices using programming languages for the first time write simple</a:t>
-            </a:r>
-            <a:br>
-              <a:rPr lang="en-US" dirty="0"/>
-            </a:br>
-            <a:r>
-              <a:rPr lang="en-US" dirty="0"/>
-              <a:t>computer programs more accurately using alternative programming languages?”</a:t>
-            </a:r>
-          </a:p>
-          <a:p>
-            <a:r>
-              <a:rPr lang="en-US" b="1" dirty="0"/>
-              <a:t>Need complex data to answer research questions</a:t>
-            </a:r>
+              <a:rPr lang="en-US" dirty="0"/>
+              <a:t>Participants are divided by prior experience vs. none</a:t>
+            </a:r>
+          </a:p>
+          <a:p>
+            <a:r>
+              <a:rPr lang="en-US" dirty="0"/>
+              <a:t>2. Provide multiple example syntaxes (real + hypothetical)</a:t>
+            </a:r>
+          </a:p>
+          <a:p>
+            <a:r>
+              <a:rPr lang="en-US" dirty="0"/>
+              <a:t>3. Participants rate “</a:t>
+            </a:r>
+            <a:r>
+              <a:rPr lang="en-US" i="1" dirty="0"/>
+              <a:t>intuitiveness”</a:t>
+            </a:r>
+            <a:r>
+              <a:rPr lang="en-US" dirty="0"/>
+              <a:t> of each option</a:t>
+            </a:r>
+          </a:p>
+          <a:p>
+            <a:r>
+              <a:rPr lang="en-US" dirty="0"/>
+              <a:t>4. Researcher interprets numeric ratings</a:t>
+            </a:r>
+          </a:p>
+          <a:p>
+            <a:pPr marL="0" indent="0">
+              <a:buNone/>
+            </a:pPr>
+            <a:endParaRPr lang="en-US" dirty="0"/>
           </a:p>
         </p:txBody>
       </p:sp>
@@ -16759,7 +16728,7 @@
           <p:cNvPr id="4" name="Slide Number Placeholder 3">
             <a:extLst>
               <a:ext uri="{FF2B5EF4-FFF2-40B4-BE49-F238E27FC236}">
-                <a16:creationId xmlns:a16="http://schemas.microsoft.com/office/drawing/2014/main" id="{1707499D-5413-FC79-9CB9-28C86CFC17E7}"/>
+                <a16:creationId xmlns:a16="http://schemas.microsoft.com/office/drawing/2014/main" id="{416A9FA4-0221-BDBB-85C0-E07257254677}"/>
               </a:ext>
             </a:extLst>
           </p:cNvPr>
@@ -16786,7 +16755,7 @@
     </p:spTree>
     <p:extLst>
       <p:ext uri="{BB962C8B-B14F-4D97-AF65-F5344CB8AC3E}">
-        <p14:creationId xmlns:p14="http://schemas.microsoft.com/office/powerpoint/2010/main" val="3655739092"/>
+        <p14:creationId xmlns:p14="http://schemas.microsoft.com/office/powerpoint/2010/main" val="3439101636"/>
       </p:ext>
     </p:extLst>
   </p:cSld>
@@ -16818,7 +16787,7 @@
           <p:cNvPr id="2" name="Title 1">
             <a:extLst>
               <a:ext uri="{FF2B5EF4-FFF2-40B4-BE49-F238E27FC236}">
-                <a16:creationId xmlns:a16="http://schemas.microsoft.com/office/drawing/2014/main" id="{EC2FB499-A1FA-CFCB-EDB9-4C0BE9162CE3}"/>
+                <a16:creationId xmlns:a16="http://schemas.microsoft.com/office/drawing/2014/main" id="{087A350D-C047-FFF6-6A78-208976B0D308}"/>
               </a:ext>
             </a:extLst>
           </p:cNvPr>
@@ -16836,7 +16805,7 @@
           <a:p>
             <a:r>
               <a:rPr lang="en-US" dirty="0"/>
-              <a:t>Study 1:  Keywords</a:t>
+              <a:t>Example Concept: Assignment</a:t>
             </a:r>
           </a:p>
         </p:txBody>
@@ -16846,7 +16815,7 @@
           <p:cNvPr id="3" name="Content Placeholder 2">
             <a:extLst>
               <a:ext uri="{FF2B5EF4-FFF2-40B4-BE49-F238E27FC236}">
-                <a16:creationId xmlns:a16="http://schemas.microsoft.com/office/drawing/2014/main" id="{92FE8AE9-3EE9-58A9-2859-954EF4C8FCA0}"/>
+                <a16:creationId xmlns:a16="http://schemas.microsoft.com/office/drawing/2014/main" id="{FAC48EE0-AEE4-D1C0-04C1-930492AE634C}"/>
               </a:ext>
             </a:extLst>
           </p:cNvPr>
@@ -16863,47 +16832,37 @@
           <a:lstStyle/>
           <a:p>
             <a:r>
-              <a:rPr lang="en-US" dirty="0"/>
-              <a:t>1. Give the participants a description of some PL concept</a:t>
-            </a:r>
-          </a:p>
-          <a:p>
-            <a:pPr lvl="1"/>
-            <a:r>
-              <a:rPr lang="en-US" dirty="0"/>
-              <a:t>Participants are divided by prior experience vs. none</a:t>
-            </a:r>
-          </a:p>
-          <a:p>
-            <a:r>
-              <a:rPr lang="en-US" dirty="0"/>
-              <a:t>2. Provide multiple example syntaxes (real + hypothetical)</a:t>
-            </a:r>
-          </a:p>
-          <a:p>
-            <a:r>
-              <a:rPr lang="en-US" dirty="0"/>
-              <a:t>3. Participants rate “</a:t>
-            </a:r>
-            <a:r>
-              <a:rPr lang="en-US" i="1" dirty="0"/>
-              <a:t>intuitiveness”</a:t>
-            </a:r>
-            <a:r>
-              <a:rPr lang="en-US" dirty="0"/>
-              <a:t> of each option</a:t>
-            </a:r>
-          </a:p>
-          <a:p>
-            <a:r>
-              <a:rPr lang="en-US" dirty="0"/>
-              <a:t>4. Researcher interprets numeric ratings</a:t>
-            </a:r>
-          </a:p>
-          <a:p>
-            <a:pPr marL="0" indent="0">
-              <a:buNone/>
-            </a:pPr>
+              <a:rPr lang="en-US" b="1" dirty="0"/>
+              <a:t>Concept:</a:t>
+            </a:r>
+            <a:r>
+              <a:rPr lang="en-US" dirty="0"/>
+              <a:t> “Assigning a value to a computer’s memory”</a:t>
+            </a:r>
+          </a:p>
+          <a:p>
+            <a:r>
+              <a:rPr lang="en-US" b="1" dirty="0"/>
+              <a:t>Description:</a:t>
+            </a:r>
+            <a:r>
+              <a:rPr lang="en-US" dirty="0"/>
+              <a:t> “Suppose you wanted to write a mathematical expression that represented taking a number, perhaps the number 1024, and putting it into a location in a computer’s memory represented by a variable named x”</a:t>
+            </a:r>
+          </a:p>
+          <a:p>
+            <a:r>
+              <a:rPr lang="en-US" b="1" dirty="0"/>
+              <a:t>Example</a:t>
+            </a:r>
+            <a:r>
+              <a:rPr lang="en-US" dirty="0"/>
+              <a:t> = </a:t>
+            </a:r>
+            <a:r>
+              <a:rPr lang="en-US" b="1" dirty="0"/>
+              <a:t>“assign x to be 1024”</a:t>
+            </a:r>
             <a:endParaRPr lang="en-US" dirty="0"/>
           </a:p>
         </p:txBody>
@@ -16913,7 +16872,7 @@
           <p:cNvPr id="4" name="Slide Number Placeholder 3">
             <a:extLst>
               <a:ext uri="{FF2B5EF4-FFF2-40B4-BE49-F238E27FC236}">
-                <a16:creationId xmlns:a16="http://schemas.microsoft.com/office/drawing/2014/main" id="{416A9FA4-0221-BDBB-85C0-E07257254677}"/>
+                <a16:creationId xmlns:a16="http://schemas.microsoft.com/office/drawing/2014/main" id="{FACDB363-D756-3ECC-D78B-53536556E4D3}"/>
               </a:ext>
             </a:extLst>
           </p:cNvPr>
@@ -16940,7 +16899,7 @@
     </p:spTree>
     <p:extLst>
       <p:ext uri="{BB962C8B-B14F-4D97-AF65-F5344CB8AC3E}">
-        <p14:creationId xmlns:p14="http://schemas.microsoft.com/office/powerpoint/2010/main" val="3439101636"/>
+        <p14:creationId xmlns:p14="http://schemas.microsoft.com/office/powerpoint/2010/main" val="3329648246"/>
       </p:ext>
     </p:extLst>
   </p:cSld>
@@ -17013,7 +16972,9 @@
         </p:nvSpPr>
         <p:spPr/>
         <p:txBody>
-          <a:bodyPr/>
+          <a:bodyPr>
+            <a:normAutofit lnSpcReduction="10000"/>
+          </a:bodyPr>
           <a:lstStyle/>
           <a:p>
             <a:r>
@@ -17032,23 +16993,44 @@
             </a:r>
             <a:r>
               <a:rPr lang="en-US" dirty="0"/>
-              <a:t> “Suppose you wanted to write a mathematical expression that represented taking a number, perhaps the number 1024, and putting it into a location in a computer’s memory represented by a variable named x”</a:t>
+              <a:t> “Suppose you wanted to write a mathematical expression that represented taking a number, perhaps the number 1024, and putting it into a location in a computer’s memory represented by a variable named x ”</a:t>
             </a:r>
           </a:p>
           <a:p>
             <a:r>
               <a:rPr lang="en-US" b="1" dirty="0"/>
-              <a:t>Example</a:t>
-            </a:r>
-            <a:r>
-              <a:rPr lang="en-US" dirty="0"/>
-              <a:t> = </a:t>
-            </a:r>
+              <a:t>New and Old Programmers Agreed: </a:t>
+            </a:r>
+            <a:endParaRPr lang="en-US" dirty="0"/>
+          </a:p>
+          <a:p>
+            <a:pPr lvl="1"/>
             <a:r>
               <a:rPr lang="en-US" b="1" dirty="0"/>
-              <a:t>“assign x to be 1024”</a:t>
-            </a:r>
-            <a:endParaRPr lang="en-US" dirty="0"/>
+              <a:t>Best: </a:t>
+            </a:r>
+            <a:r>
+              <a:rPr lang="en-US" dirty="0"/>
+              <a:t>x = 1024</a:t>
+            </a:r>
+          </a:p>
+          <a:p>
+            <a:pPr lvl="1"/>
+            <a:r>
+              <a:rPr lang="en-US" b="1" dirty="0"/>
+              <a:t>Worst: </a:t>
+            </a:r>
+            <a:r>
+              <a:rPr lang="en-US" dirty="0"/>
+              <a:t>x += 1024</a:t>
+            </a:r>
+            <a:endParaRPr lang="en-US" b="1" dirty="0"/>
+          </a:p>
+          <a:p>
+            <a:r>
+              <a:rPr lang="en-US" dirty="0"/>
+              <a:t>Other concepts, e.g., arrays, showed disagreement</a:t>
+            </a:r>
           </a:p>
         </p:txBody>
       </p:sp>
@@ -17057,7 +17039,7 @@
           <p:cNvPr id="4" name="Slide Number Placeholder 3">
             <a:extLst>
               <a:ext uri="{FF2B5EF4-FFF2-40B4-BE49-F238E27FC236}">
-                <a16:creationId xmlns:a16="http://schemas.microsoft.com/office/drawing/2014/main" id="{FACDB363-D756-3ECC-D78B-53536556E4D3}"/>
+                <a16:creationId xmlns:a16="http://schemas.microsoft.com/office/drawing/2014/main" id="{2C79B1EA-A240-4EB2-AFC0-FA6962AC6C0A}"/>
               </a:ext>
             </a:extLst>
           </p:cNvPr>
@@ -17076,173 +17058,6 @@
             <a:fld id="{9BF27F29-4B64-4A24-936A-FF41C34C242B}" type="slidenum">
               <a:rPr lang="en-US" smtClean="0"/>
               <a:t>34</a:t>
-            </a:fld>
-            <a:endParaRPr lang="en-US"/>
-          </a:p>
-        </p:txBody>
-      </p:sp>
-    </p:spTree>
-    <p:extLst>
-      <p:ext uri="{BB962C8B-B14F-4D97-AF65-F5344CB8AC3E}">
-        <p14:creationId xmlns:p14="http://schemas.microsoft.com/office/powerpoint/2010/main" val="3329648246"/>
-      </p:ext>
-    </p:extLst>
-  </p:cSld>
-  <p:clrMapOvr>
-    <a:masterClrMapping/>
-  </p:clrMapOvr>
-</p:sld>
-</file>
-
-<file path=ppt/slides/slide35.xml><?xml version="1.0" encoding="utf-8"?>
-<p:sld xmlns:a="http://schemas.openxmlformats.org/drawingml/2006/main" xmlns:r="http://schemas.openxmlformats.org/officeDocument/2006/relationships" xmlns:p="http://schemas.openxmlformats.org/presentationml/2006/main">
-  <p:cSld>
-    <p:spTree>
-      <p:nvGrpSpPr>
-        <p:cNvPr id="1" name=""/>
-        <p:cNvGrpSpPr/>
-        <p:nvPr/>
-      </p:nvGrpSpPr>
-      <p:grpSpPr>
-        <a:xfrm>
-          <a:off x="0" y="0"/>
-          <a:ext cx="0" cy="0"/>
-          <a:chOff x="0" y="0"/>
-          <a:chExt cx="0" cy="0"/>
-        </a:xfrm>
-      </p:grpSpPr>
-      <p:sp>
-        <p:nvSpPr>
-          <p:cNvPr id="2" name="Title 1">
-            <a:extLst>
-              <a:ext uri="{FF2B5EF4-FFF2-40B4-BE49-F238E27FC236}">
-                <a16:creationId xmlns:a16="http://schemas.microsoft.com/office/drawing/2014/main" id="{087A350D-C047-FFF6-6A78-208976B0D308}"/>
-              </a:ext>
-            </a:extLst>
-          </p:cNvPr>
-          <p:cNvSpPr>
-            <a:spLocks noGrp="1"/>
-          </p:cNvSpPr>
-          <p:nvPr>
-            <p:ph type="title"/>
-          </p:nvPr>
-        </p:nvSpPr>
-        <p:spPr/>
-        <p:txBody>
-          <a:bodyPr/>
-          <a:lstStyle/>
-          <a:p>
-            <a:r>
-              <a:rPr lang="en-US" dirty="0"/>
-              <a:t>Example Concept: Assignment</a:t>
-            </a:r>
-          </a:p>
-        </p:txBody>
-      </p:sp>
-      <p:sp>
-        <p:nvSpPr>
-          <p:cNvPr id="3" name="Content Placeholder 2">
-            <a:extLst>
-              <a:ext uri="{FF2B5EF4-FFF2-40B4-BE49-F238E27FC236}">
-                <a16:creationId xmlns:a16="http://schemas.microsoft.com/office/drawing/2014/main" id="{FAC48EE0-AEE4-D1C0-04C1-930492AE634C}"/>
-              </a:ext>
-            </a:extLst>
-          </p:cNvPr>
-          <p:cNvSpPr>
-            <a:spLocks noGrp="1"/>
-          </p:cNvSpPr>
-          <p:nvPr>
-            <p:ph idx="1"/>
-          </p:nvPr>
-        </p:nvSpPr>
-        <p:spPr/>
-        <p:txBody>
-          <a:bodyPr>
-            <a:normAutofit lnSpcReduction="10000"/>
-          </a:bodyPr>
-          <a:lstStyle/>
-          <a:p>
-            <a:r>
-              <a:rPr lang="en-US" b="1" dirty="0"/>
-              <a:t>Concept:</a:t>
-            </a:r>
-            <a:r>
-              <a:rPr lang="en-US" dirty="0"/>
-              <a:t> “Assigning a value to a computer’s memory”</a:t>
-            </a:r>
-          </a:p>
-          <a:p>
-            <a:r>
-              <a:rPr lang="en-US" b="1" dirty="0"/>
-              <a:t>Description:</a:t>
-            </a:r>
-            <a:r>
-              <a:rPr lang="en-US" dirty="0"/>
-              <a:t> “Suppose you wanted to write a mathematical expression that represented taking a number, perhaps the number 1024, and putting it into a location in a computer’s memory represented by a variable named x ”</a:t>
-            </a:r>
-          </a:p>
-          <a:p>
-            <a:r>
-              <a:rPr lang="en-US" b="1" dirty="0"/>
-              <a:t>New and Old Programmers Agreed: </a:t>
-            </a:r>
-            <a:endParaRPr lang="en-US" dirty="0"/>
-          </a:p>
-          <a:p>
-            <a:pPr lvl="1"/>
-            <a:r>
-              <a:rPr lang="en-US" b="1" dirty="0"/>
-              <a:t>Best: </a:t>
-            </a:r>
-            <a:r>
-              <a:rPr lang="en-US" dirty="0"/>
-              <a:t>x = 1024</a:t>
-            </a:r>
-          </a:p>
-          <a:p>
-            <a:pPr lvl="1"/>
-            <a:r>
-              <a:rPr lang="en-US" b="1" dirty="0"/>
-              <a:t>Worst: </a:t>
-            </a:r>
-            <a:r>
-              <a:rPr lang="en-US" dirty="0"/>
-              <a:t>x += 1024</a:t>
-            </a:r>
-            <a:endParaRPr lang="en-US" b="1" dirty="0"/>
-          </a:p>
-          <a:p>
-            <a:r>
-              <a:rPr lang="en-US" dirty="0"/>
-              <a:t>Other concepts, e.g., arrays, showed disagreement</a:t>
-            </a:r>
-          </a:p>
-        </p:txBody>
-      </p:sp>
-      <p:sp>
-        <p:nvSpPr>
-          <p:cNvPr id="4" name="Slide Number Placeholder 3">
-            <a:extLst>
-              <a:ext uri="{FF2B5EF4-FFF2-40B4-BE49-F238E27FC236}">
-                <a16:creationId xmlns:a16="http://schemas.microsoft.com/office/drawing/2014/main" id="{2C79B1EA-A240-4EB2-AFC0-FA6962AC6C0A}"/>
-              </a:ext>
-            </a:extLst>
-          </p:cNvPr>
-          <p:cNvSpPr>
-            <a:spLocks noGrp="1"/>
-          </p:cNvSpPr>
-          <p:nvPr>
-            <p:ph type="sldNum" sz="quarter" idx="12"/>
-          </p:nvPr>
-        </p:nvSpPr>
-        <p:spPr/>
-        <p:txBody>
-          <a:bodyPr/>
-          <a:lstStyle/>
-          <a:p>
-            <a:fld id="{9BF27F29-4B64-4A24-936A-FF41C34C242B}" type="slidenum">
-              <a:rPr lang="en-US" smtClean="0"/>
-              <a:t>35</a:t>
             </a:fld>
             <a:endParaRPr lang="en-US"/>
           </a:p>
@@ -17261,7 +17076,7 @@
 </p:sld>
 </file>
 
-<file path=ppt/slides/slide36.xml><?xml version="1.0" encoding="utf-8"?>
+<file path=ppt/slides/slide35.xml><?xml version="1.0" encoding="utf-8"?>
 <p:sld xmlns:a="http://schemas.openxmlformats.org/drawingml/2006/main" xmlns:r="http://schemas.openxmlformats.org/officeDocument/2006/relationships" xmlns:p="http://schemas.openxmlformats.org/presentationml/2006/main">
   <p:cSld>
     <p:spTree>
@@ -18320,7 +18135,7 @@
           <a:p>
             <a:fld id="{9BF27F29-4B64-4A24-936A-FF41C34C242B}" type="slidenum">
               <a:rPr lang="en-US" smtClean="0"/>
-              <a:t>36</a:t>
+              <a:t>35</a:t>
             </a:fld>
             <a:endParaRPr lang="en-US"/>
           </a:p>
@@ -18330,6 +18145,171 @@
     <p:extLst>
       <p:ext uri="{BB962C8B-B14F-4D97-AF65-F5344CB8AC3E}">
         <p14:creationId xmlns:p14="http://schemas.microsoft.com/office/powerpoint/2010/main" val="3196073165"/>
+      </p:ext>
+    </p:extLst>
+  </p:cSld>
+  <p:clrMapOvr>
+    <a:masterClrMapping/>
+  </p:clrMapOvr>
+</p:sld>
+</file>
+
+<file path=ppt/slides/slide36.xml><?xml version="1.0" encoding="utf-8"?>
+<p:sld xmlns:a="http://schemas.openxmlformats.org/drawingml/2006/main" xmlns:r="http://schemas.openxmlformats.org/officeDocument/2006/relationships" xmlns:p="http://schemas.openxmlformats.org/presentationml/2006/main">
+  <p:cSld>
+    <p:spTree>
+      <p:nvGrpSpPr>
+        <p:cNvPr id="1" name=""/>
+        <p:cNvGrpSpPr/>
+        <p:nvPr/>
+      </p:nvGrpSpPr>
+      <p:grpSpPr>
+        <a:xfrm>
+          <a:off x="0" y="0"/>
+          <a:ext cx="0" cy="0"/>
+          <a:chOff x="0" y="0"/>
+          <a:chExt cx="0" cy="0"/>
+        </a:xfrm>
+      </p:grpSpPr>
+      <p:sp>
+        <p:nvSpPr>
+          <p:cNvPr id="2" name="Title 1">
+            <a:extLst>
+              <a:ext uri="{FF2B5EF4-FFF2-40B4-BE49-F238E27FC236}">
+                <a16:creationId xmlns:a16="http://schemas.microsoft.com/office/drawing/2014/main" id="{8D43780C-6001-00BE-0C38-A4AF76F1953F}"/>
+              </a:ext>
+            </a:extLst>
+          </p:cNvPr>
+          <p:cNvSpPr>
+            <a:spLocks noGrp="1"/>
+          </p:cNvSpPr>
+          <p:nvPr>
+            <p:ph type="title"/>
+          </p:nvPr>
+        </p:nvSpPr>
+        <p:spPr/>
+        <p:txBody>
+          <a:bodyPr/>
+          <a:lstStyle/>
+          <a:p>
+            <a:r>
+              <a:rPr lang="en-US" dirty="0"/>
+              <a:t>Findings: Trends in Intuition</a:t>
+            </a:r>
+          </a:p>
+        </p:txBody>
+      </p:sp>
+      <p:sp>
+        <p:nvSpPr>
+          <p:cNvPr id="3" name="Content Placeholder 2">
+            <a:extLst>
+              <a:ext uri="{FF2B5EF4-FFF2-40B4-BE49-F238E27FC236}">
+                <a16:creationId xmlns:a16="http://schemas.microsoft.com/office/drawing/2014/main" id="{302A9E7A-9ACF-AA04-44B8-84290CF99790}"/>
+              </a:ext>
+            </a:extLst>
+          </p:cNvPr>
+          <p:cNvSpPr>
+            <a:spLocks noGrp="1"/>
+          </p:cNvSpPr>
+          <p:nvPr>
+            <p:ph idx="1"/>
+          </p:nvPr>
+        </p:nvSpPr>
+        <p:spPr/>
+        <p:txBody>
+          <a:bodyPr>
+            <a:normAutofit fontScale="92500" lnSpcReduction="10000"/>
+          </a:bodyPr>
+          <a:lstStyle/>
+          <a:p>
+            <a:pPr marL="514350" indent="-514350">
+              <a:buFont typeface="+mj-lt"/>
+              <a:buAutoNum type="arabicPeriod"/>
+            </a:pPr>
+            <a:r>
+              <a:rPr lang="en-US" dirty="0"/>
+              <a:t>Familiar keywords tend to be rated as more intuitive</a:t>
+            </a:r>
+          </a:p>
+          <a:p>
+            <a:pPr marL="514350" indent="-514350">
+              <a:buFont typeface="+mj-lt"/>
+              <a:buAutoNum type="arabicPeriod"/>
+            </a:pPr>
+            <a:r>
+              <a:rPr lang="en-US" dirty="0"/>
+              <a:t>If a keyword is commonly-used in English and has a well-known English meaning, it tends to be rated as more intuitive (examples: repeat, undefined)</a:t>
+            </a:r>
+          </a:p>
+          <a:p>
+            <a:pPr marL="514350" indent="-514350">
+              <a:buFont typeface="+mj-lt"/>
+              <a:buAutoNum type="arabicPeriod"/>
+            </a:pPr>
+            <a:r>
+              <a:rPr lang="en-US" dirty="0"/>
+              <a:t>If the meaning of a keyword depends on a metaphor, it tends to be rated as less intuitive (examples: throw, catch)</a:t>
+            </a:r>
+          </a:p>
+          <a:p>
+            <a:pPr marL="514350" indent="-514350">
+              <a:buFont typeface="+mj-lt"/>
+              <a:buAutoNum type="arabicPeriod"/>
+            </a:pPr>
+            <a:r>
+              <a:rPr lang="en-US" dirty="0"/>
+              <a:t>If a symbol has a meaning in English, yet that meaning conflicts with its meaning in programming, then it tends to be rated as less intuitive (example: the dot operator vs. the period in written English).</a:t>
+            </a:r>
+          </a:p>
+          <a:p>
+            <a:pPr marL="0" indent="0">
+              <a:buNone/>
+            </a:pPr>
+            <a:r>
+              <a:rPr lang="en-US" b="1" dirty="0"/>
+              <a:t>Common Sense?: </a:t>
+            </a:r>
+            <a:r>
+              <a:rPr lang="en-US" dirty="0"/>
+              <a:t>Uncommon</a:t>
+            </a:r>
+            <a:endParaRPr lang="en-US" b="1" dirty="0"/>
+          </a:p>
+        </p:txBody>
+      </p:sp>
+      <p:sp>
+        <p:nvSpPr>
+          <p:cNvPr id="4" name="Slide Number Placeholder 3">
+            <a:extLst>
+              <a:ext uri="{FF2B5EF4-FFF2-40B4-BE49-F238E27FC236}">
+                <a16:creationId xmlns:a16="http://schemas.microsoft.com/office/drawing/2014/main" id="{53E9F666-1406-DD03-4472-4DF0AF05A23E}"/>
+              </a:ext>
+            </a:extLst>
+          </p:cNvPr>
+          <p:cNvSpPr>
+            <a:spLocks noGrp="1"/>
+          </p:cNvSpPr>
+          <p:nvPr>
+            <p:ph type="sldNum" sz="quarter" idx="12"/>
+          </p:nvPr>
+        </p:nvSpPr>
+        <p:spPr/>
+        <p:txBody>
+          <a:bodyPr/>
+          <a:lstStyle/>
+          <a:p>
+            <a:fld id="{9BF27F29-4B64-4A24-936A-FF41C34C242B}" type="slidenum">
+              <a:rPr lang="en-US" smtClean="0"/>
+              <a:t>36</a:t>
+            </a:fld>
+            <a:endParaRPr lang="en-US"/>
+          </a:p>
+        </p:txBody>
+      </p:sp>
+    </p:spTree>
+    <p:extLst>
+      <p:ext uri="{BB962C8B-B14F-4D97-AF65-F5344CB8AC3E}">
+        <p14:creationId xmlns:p14="http://schemas.microsoft.com/office/powerpoint/2010/main" val="1425326734"/>
       </p:ext>
     </p:extLst>
   </p:cSld>
@@ -18361,7 +18341,7 @@
           <p:cNvPr id="2" name="Title 1">
             <a:extLst>
               <a:ext uri="{FF2B5EF4-FFF2-40B4-BE49-F238E27FC236}">
-                <a16:creationId xmlns:a16="http://schemas.microsoft.com/office/drawing/2014/main" id="{8D43780C-6001-00BE-0C38-A4AF76F1953F}"/>
+                <a16:creationId xmlns:a16="http://schemas.microsoft.com/office/drawing/2014/main" id="{4B93C14B-FCE5-91D9-FDEE-D139A511F532}"/>
               </a:ext>
             </a:extLst>
           </p:cNvPr>
@@ -18379,7 +18359,23 @@
           <a:p>
             <a:r>
               <a:rPr lang="en-US" dirty="0"/>
-              <a:t>Findings: Trends in Intuition</a:t>
+              <a:t>3</a:t>
+            </a:r>
+            <a:r>
+              <a:rPr lang="en-US" baseline="30000" dirty="0"/>
+              <a:t>rd</a:t>
+            </a:r>
+            <a:r>
+              <a:rPr lang="en-US" dirty="0"/>
+              <a:t> + 4</a:t>
+            </a:r>
+            <a:r>
+              <a:rPr lang="en-US" baseline="30000" dirty="0"/>
+              <a:t>th</a:t>
+            </a:r>
+            <a:r>
+              <a:rPr lang="en-US" dirty="0"/>
+              <a:t> Studies</a:t>
             </a:r>
           </a:p>
         </p:txBody>
@@ -18389,7 +18385,7 @@
           <p:cNvPr id="3" name="Content Placeholder 2">
             <a:extLst>
               <a:ext uri="{FF2B5EF4-FFF2-40B4-BE49-F238E27FC236}">
-                <a16:creationId xmlns:a16="http://schemas.microsoft.com/office/drawing/2014/main" id="{302A9E7A-9ACF-AA04-44B8-84290CF99790}"/>
+                <a16:creationId xmlns:a16="http://schemas.microsoft.com/office/drawing/2014/main" id="{5D4A966A-7F9F-FC40-FDA1-CF842B4CC69C}"/>
               </a:ext>
             </a:extLst>
           </p:cNvPr>
@@ -18402,63 +18398,51 @@
         </p:nvSpPr>
         <p:spPr/>
         <p:txBody>
-          <a:bodyPr>
-            <a:normAutofit fontScale="92500" lnSpcReduction="10000"/>
-          </a:bodyPr>
-          <a:lstStyle/>
-          <a:p>
-            <a:pPr marL="514350" indent="-514350">
-              <a:buFont typeface="+mj-lt"/>
-              <a:buAutoNum type="arabicPeriod"/>
-            </a:pPr>
-            <a:r>
-              <a:rPr lang="en-US" dirty="0"/>
-              <a:t>Familiar keywords tend to be rated as more intuitive</a:t>
-            </a:r>
-          </a:p>
-          <a:p>
-            <a:pPr marL="514350" indent="-514350">
-              <a:buFont typeface="+mj-lt"/>
-              <a:buAutoNum type="arabicPeriod"/>
-            </a:pPr>
-            <a:r>
-              <a:rPr lang="en-US" dirty="0"/>
-              <a:t>If a keyword is commonly-used in English and has a well-known English meaning, it tends to be rated as more intuitive (examples: repeat, undefined)</a:t>
-            </a:r>
-          </a:p>
-          <a:p>
-            <a:pPr marL="514350" indent="-514350">
-              <a:buFont typeface="+mj-lt"/>
-              <a:buAutoNum type="arabicPeriod"/>
-            </a:pPr>
-            <a:r>
-              <a:rPr lang="en-US" dirty="0"/>
-              <a:t>If the meaning of a keyword depends on a metaphor, it tends to be rated as less intuitive (examples: throw, catch)</a:t>
-            </a:r>
-          </a:p>
-          <a:p>
-            <a:pPr marL="514350" indent="-514350">
-              <a:buFont typeface="+mj-lt"/>
-              <a:buAutoNum type="arabicPeriod"/>
-            </a:pPr>
-            <a:r>
-              <a:rPr lang="en-US" dirty="0"/>
-              <a:t>If a symbol has a meaning in English, yet that meaning conflicts with its meaning in programming, then it tends to be rated as less intuitive (example: the dot operator vs. the period in written English).</a:t>
-            </a:r>
-          </a:p>
-          <a:p>
-            <a:pPr marL="0" indent="0">
-              <a:buNone/>
-            </a:pPr>
-            <a:r>
-              <a:rPr lang="en-US" b="1" dirty="0"/>
-              <a:t>Common Sense?: </a:t>
-            </a:r>
-            <a:r>
-              <a:rPr lang="en-US" dirty="0"/>
-              <a:t>Uncommon</a:t>
-            </a:r>
-            <a:endParaRPr lang="en-US" b="1" dirty="0"/>
+          <a:bodyPr/>
+          <a:lstStyle/>
+          <a:p>
+            <a:r>
+              <a:rPr lang="en-US" dirty="0"/>
+              <a:t>Goal: Measure effectiveness of PLs for correctly implementing tasks</a:t>
+            </a:r>
+          </a:p>
+          <a:p>
+            <a:r>
+              <a:rPr lang="en-US" dirty="0"/>
+              <a:t>Give participants a randomly-chosen language</a:t>
+            </a:r>
+          </a:p>
+          <a:p>
+            <a:pPr lvl="1"/>
+            <a:r>
+              <a:rPr lang="en-US" dirty="0"/>
+              <a:t>Do not tell them which language it is, but give them example code</a:t>
+            </a:r>
+          </a:p>
+          <a:p>
+            <a:pPr lvl="1"/>
+            <a:r>
+              <a:rPr lang="en-US" dirty="0"/>
+              <a:t>Example code has all the features they need</a:t>
+            </a:r>
+          </a:p>
+          <a:p>
+            <a:r>
+              <a:rPr lang="en-US" dirty="0"/>
+              <a:t>Give them 6 coding tasks of 6-10 minutes each</a:t>
+            </a:r>
+          </a:p>
+          <a:p>
+            <a:r>
+              <a:rPr lang="en-US" dirty="0"/>
+              <a:t>Grade tasks according to rubric</a:t>
+            </a:r>
+          </a:p>
+          <a:p>
+            <a:r>
+              <a:rPr lang="en-US" dirty="0"/>
+              <a:t>Rate languages based on average grades</a:t>
+            </a:r>
           </a:p>
         </p:txBody>
       </p:sp>
@@ -18467,7 +18451,7 @@
           <p:cNvPr id="4" name="Slide Number Placeholder 3">
             <a:extLst>
               <a:ext uri="{FF2B5EF4-FFF2-40B4-BE49-F238E27FC236}">
-                <a16:creationId xmlns:a16="http://schemas.microsoft.com/office/drawing/2014/main" id="{53E9F666-1406-DD03-4472-4DF0AF05A23E}"/>
+                <a16:creationId xmlns:a16="http://schemas.microsoft.com/office/drawing/2014/main" id="{D74FCC31-1137-49DE-68C7-E75CB04C51FC}"/>
               </a:ext>
             </a:extLst>
           </p:cNvPr>
@@ -18494,7 +18478,7 @@
     </p:spTree>
     <p:extLst>
       <p:ext uri="{BB962C8B-B14F-4D97-AF65-F5344CB8AC3E}">
-        <p14:creationId xmlns:p14="http://schemas.microsoft.com/office/powerpoint/2010/main" val="1425326734"/>
+        <p14:creationId xmlns:p14="http://schemas.microsoft.com/office/powerpoint/2010/main" val="941818939"/>
       </p:ext>
     </p:extLst>
   </p:cSld>
@@ -18526,7 +18510,7 @@
           <p:cNvPr id="2" name="Title 1">
             <a:extLst>
               <a:ext uri="{FF2B5EF4-FFF2-40B4-BE49-F238E27FC236}">
-                <a16:creationId xmlns:a16="http://schemas.microsoft.com/office/drawing/2014/main" id="{4B93C14B-FCE5-91D9-FDEE-D139A511F532}"/>
+                <a16:creationId xmlns:a16="http://schemas.microsoft.com/office/drawing/2014/main" id="{78E1BE55-6F63-E670-D008-A1F951E7BB80}"/>
               </a:ext>
             </a:extLst>
           </p:cNvPr>
@@ -18544,23 +18528,7 @@
           <a:p>
             <a:r>
               <a:rPr lang="en-US" dirty="0"/>
-              <a:t>3</a:t>
-            </a:r>
-            <a:r>
-              <a:rPr lang="en-US" baseline="30000" dirty="0"/>
-              <a:t>rd</a:t>
-            </a:r>
-            <a:r>
-              <a:rPr lang="en-US" dirty="0"/>
-              <a:t> + 4</a:t>
-            </a:r>
-            <a:r>
-              <a:rPr lang="en-US" baseline="30000" dirty="0"/>
-              <a:t>th</a:t>
-            </a:r>
-            <a:r>
-              <a:rPr lang="en-US" dirty="0"/>
-              <a:t> Studies</a:t>
+              <a:t>Example Task</a:t>
             </a:r>
           </a:p>
         </p:txBody>
@@ -18570,7 +18538,7 @@
           <p:cNvPr id="3" name="Content Placeholder 2">
             <a:extLst>
               <a:ext uri="{FF2B5EF4-FFF2-40B4-BE49-F238E27FC236}">
-                <a16:creationId xmlns:a16="http://schemas.microsoft.com/office/drawing/2014/main" id="{5D4A966A-7F9F-FC40-FDA1-CF842B4CC69C}"/>
+                <a16:creationId xmlns:a16="http://schemas.microsoft.com/office/drawing/2014/main" id="{4CAADB72-1DC1-7568-E095-8B40D30B2225}"/>
               </a:ext>
             </a:extLst>
           </p:cNvPr>
@@ -18588,46 +18556,19 @@
           <a:p>
             <a:r>
               <a:rPr lang="en-US" dirty="0"/>
-              <a:t>Goal: Measure effectiveness of PLs for correctly implementing tasks</a:t>
-            </a:r>
-          </a:p>
-          <a:p>
-            <a:r>
-              <a:rPr lang="en-US" dirty="0"/>
-              <a:t>Give participants a randomly-chosen language</a:t>
-            </a:r>
-          </a:p>
-          <a:p>
-            <a:pPr lvl="1"/>
-            <a:r>
-              <a:rPr lang="en-US" dirty="0"/>
-              <a:t>Do not tell them which language it is, but give them example code</a:t>
-            </a:r>
-          </a:p>
-          <a:p>
-            <a:pPr lvl="1"/>
-            <a:r>
-              <a:rPr lang="en-US" dirty="0"/>
-              <a:t>Example code has all the features they need</a:t>
-            </a:r>
-          </a:p>
-          <a:p>
-            <a:r>
-              <a:rPr lang="en-US" dirty="0"/>
-              <a:t>Give them 6 coding tasks of 6-10 minutes each</a:t>
-            </a:r>
-          </a:p>
-          <a:p>
-            <a:r>
-              <a:rPr lang="en-US" dirty="0"/>
-              <a:t>Grade tasks according to rubric</a:t>
-            </a:r>
-          </a:p>
-          <a:p>
-            <a:r>
-              <a:rPr lang="en-US" dirty="0"/>
-              <a:t>Rate languages based on average grades</a:t>
-            </a:r>
+              <a:t>“Using the code sample given to you, try to write code that defines a variable x that stores real values and is set to 175.3. The code should also define a variable y that stores a string of characters and saves the word false in it. The code should then check whether x is larger than 100. If so, y should save the word true. Otherwise, y should save the words still false. Write your code in the text editor open on the PC in front of you.”</a:t>
+            </a:r>
+          </a:p>
+          <a:p>
+            <a:r>
+              <a:rPr lang="en-US" b="1" dirty="0"/>
+              <a:t>Discuss:</a:t>
+            </a:r>
+            <a:r>
+              <a:rPr lang="en-US" dirty="0"/>
+              <a:t> What are the limitations of studying this task?</a:t>
+            </a:r>
+            <a:endParaRPr lang="en-US" b="1" dirty="0"/>
           </a:p>
         </p:txBody>
       </p:sp>
@@ -18636,7 +18577,7 @@
           <p:cNvPr id="4" name="Slide Number Placeholder 3">
             <a:extLst>
               <a:ext uri="{FF2B5EF4-FFF2-40B4-BE49-F238E27FC236}">
-                <a16:creationId xmlns:a16="http://schemas.microsoft.com/office/drawing/2014/main" id="{D74FCC31-1137-49DE-68C7-E75CB04C51FC}"/>
+                <a16:creationId xmlns:a16="http://schemas.microsoft.com/office/drawing/2014/main" id="{CAFC70B1-C2B0-BAF4-C901-85D94BD557E4}"/>
               </a:ext>
             </a:extLst>
           </p:cNvPr>
@@ -18663,7 +18604,7 @@
     </p:spTree>
     <p:extLst>
       <p:ext uri="{BB962C8B-B14F-4D97-AF65-F5344CB8AC3E}">
-        <p14:creationId xmlns:p14="http://schemas.microsoft.com/office/powerpoint/2010/main" val="941818939"/>
+        <p14:creationId xmlns:p14="http://schemas.microsoft.com/office/powerpoint/2010/main" val="3592951051"/>
       </p:ext>
     </p:extLst>
   </p:cSld>
@@ -18695,7 +18636,7 @@
           <p:cNvPr id="2" name="Title 1">
             <a:extLst>
               <a:ext uri="{FF2B5EF4-FFF2-40B4-BE49-F238E27FC236}">
-                <a16:creationId xmlns:a16="http://schemas.microsoft.com/office/drawing/2014/main" id="{78E1BE55-6F63-E670-D008-A1F951E7BB80}"/>
+                <a16:creationId xmlns:a16="http://schemas.microsoft.com/office/drawing/2014/main" id="{3E60A8EF-3382-DF2F-AD6F-2E23FFDB6D28}"/>
               </a:ext>
             </a:extLst>
           </p:cNvPr>
@@ -18708,50 +18649,101 @@
         </p:nvSpPr>
         <p:spPr/>
         <p:txBody>
+          <a:bodyPr>
+            <a:normAutofit/>
+          </a:bodyPr>
+          <a:lstStyle/>
+          <a:p>
+            <a:r>
+              <a:rPr lang="en-US" sz="4000" b="1" dirty="0"/>
+              <a:t>Study Design Insight: </a:t>
+            </a:r>
+            <a:r>
+              <a:rPr lang="en-US" sz="4000" dirty="0"/>
+              <a:t>Randomized Controlled Trial</a:t>
+            </a:r>
+            <a:endParaRPr lang="en-US" sz="4000" b="1" dirty="0"/>
+          </a:p>
+        </p:txBody>
+      </p:sp>
+      <p:sp>
+        <p:nvSpPr>
+          <p:cNvPr id="3" name="Content Placeholder 2">
+            <a:extLst>
+              <a:ext uri="{FF2B5EF4-FFF2-40B4-BE49-F238E27FC236}">
+                <a16:creationId xmlns:a16="http://schemas.microsoft.com/office/drawing/2014/main" id="{D15E555E-5E50-114D-3F80-D358CA8A87EB}"/>
+              </a:ext>
+            </a:extLst>
+          </p:cNvPr>
+          <p:cNvSpPr>
+            <a:spLocks noGrp="1"/>
+          </p:cNvSpPr>
+          <p:nvPr>
+            <p:ph idx="1"/>
+          </p:nvPr>
+        </p:nvSpPr>
+        <p:spPr/>
+        <p:txBody>
           <a:bodyPr/>
           <a:lstStyle/>
           <a:p>
             <a:r>
               <a:rPr lang="en-US" dirty="0"/>
-              <a:t>Example Task</a:t>
-            </a:r>
-          </a:p>
-        </p:txBody>
-      </p:sp>
-      <p:sp>
-        <p:nvSpPr>
-          <p:cNvPr id="3" name="Content Placeholder 2">
-            <a:extLst>
-              <a:ext uri="{FF2B5EF4-FFF2-40B4-BE49-F238E27FC236}">
-                <a16:creationId xmlns:a16="http://schemas.microsoft.com/office/drawing/2014/main" id="{4CAADB72-1DC1-7568-E095-8B40D30B2225}"/>
-              </a:ext>
-            </a:extLst>
-          </p:cNvPr>
-          <p:cNvSpPr>
-            <a:spLocks noGrp="1"/>
-          </p:cNvSpPr>
-          <p:nvPr>
-            <p:ph idx="1"/>
-          </p:nvPr>
-        </p:nvSpPr>
-        <p:spPr/>
-        <p:txBody>
-          <a:bodyPr/>
-          <a:lstStyle/>
-          <a:p>
-            <a:r>
-              <a:rPr lang="en-US" dirty="0"/>
-              <a:t>“Using the code sample given to you, try to write code that defines a variable x that stores real values and is set to 175.3. The code should also define a variable y that stores a string of characters and saves the word false in it. The code should then check whether x is larger than 100. If so, y should save the word true. Otherwise, y should save the words still false. Write your code in the text editor open on the PC in front of you.”</a:t>
+              <a:t>The 3</a:t>
+            </a:r>
+            <a:r>
+              <a:rPr lang="en-US" baseline="30000" dirty="0"/>
+              <a:t>rd</a:t>
+            </a:r>
+            <a:r>
+              <a:rPr lang="en-US" dirty="0"/>
+              <a:t>+4</a:t>
+            </a:r>
+            <a:r>
+              <a:rPr lang="en-US" baseline="30000" dirty="0"/>
+              <a:t>th</a:t>
+            </a:r>
+            <a:r>
+              <a:rPr lang="en-US" dirty="0"/>
+              <a:t> studies seek to replicate the idea of </a:t>
+            </a:r>
+            <a:r>
+              <a:rPr lang="en-US" i="1" dirty="0"/>
+              <a:t>randomized controlled trials </a:t>
+            </a:r>
+            <a:r>
+              <a:rPr lang="en-US" dirty="0"/>
+              <a:t>(RCTs) in PL design research</a:t>
             </a:r>
           </a:p>
           <a:p>
             <a:r>
               <a:rPr lang="en-US" b="1" dirty="0"/>
-              <a:t>Discuss:</a:t>
-            </a:r>
-            <a:r>
-              <a:rPr lang="en-US" dirty="0"/>
-              <a:t> What are the limitations of studying this task?</a:t>
+              <a:t>Idea:</a:t>
+            </a:r>
+            <a:r>
+              <a:rPr lang="en-US" dirty="0"/>
+              <a:t> Study is interventional. One variable (PL choice) is modified while all others are controlled. Measure impact of this choice</a:t>
+            </a:r>
+          </a:p>
+          <a:p>
+            <a:r>
+              <a:rPr lang="en-US" b="1" dirty="0"/>
+              <a:t>PLs used: </a:t>
+            </a:r>
+            <a:r>
+              <a:rPr lang="en-US" dirty="0"/>
+              <a:t>Java, Python, Perl, Ruby, Quorum (teaching PL)</a:t>
+            </a:r>
+          </a:p>
+          <a:p>
+            <a:r>
+              <a:rPr lang="en-US" b="1" dirty="0"/>
+              <a:t>Challenge:</a:t>
+            </a:r>
+            <a:r>
+              <a:rPr lang="en-US" dirty="0"/>
+              <a:t> What is the baseline, i.e., what is the “placebo?”</a:t>
             </a:r>
             <a:endParaRPr lang="en-US" b="1" dirty="0"/>
           </a:p>
@@ -18762,7 +18754,7 @@
           <p:cNvPr id="4" name="Slide Number Placeholder 3">
             <a:extLst>
               <a:ext uri="{FF2B5EF4-FFF2-40B4-BE49-F238E27FC236}">
-                <a16:creationId xmlns:a16="http://schemas.microsoft.com/office/drawing/2014/main" id="{CAFC70B1-C2B0-BAF4-C901-85D94BD557E4}"/>
+                <a16:creationId xmlns:a16="http://schemas.microsoft.com/office/drawing/2014/main" id="{20DA62B5-F0DE-8C83-053D-B1F1AC8D4364}"/>
               </a:ext>
             </a:extLst>
           </p:cNvPr>
@@ -18789,7 +18781,7 @@
     </p:spTree>
     <p:extLst>
       <p:ext uri="{BB962C8B-B14F-4D97-AF65-F5344CB8AC3E}">
-        <p14:creationId xmlns:p14="http://schemas.microsoft.com/office/powerpoint/2010/main" val="3592951051"/>
+        <p14:creationId xmlns:p14="http://schemas.microsoft.com/office/powerpoint/2010/main" val="4136103614"/>
       </p:ext>
     </p:extLst>
   </p:cSld>
@@ -19141,7 +19133,7 @@
           <p:cNvPr id="2" name="Title 1">
             <a:extLst>
               <a:ext uri="{FF2B5EF4-FFF2-40B4-BE49-F238E27FC236}">
-                <a16:creationId xmlns:a16="http://schemas.microsoft.com/office/drawing/2014/main" id="{3E60A8EF-3382-DF2F-AD6F-2E23FFDB6D28}"/>
+                <a16:creationId xmlns:a16="http://schemas.microsoft.com/office/drawing/2014/main" id="{31A9A6CB-6EC2-FBFE-E28F-7B96AA97A6F8}"/>
               </a:ext>
             </a:extLst>
           </p:cNvPr>
@@ -19154,103 +19146,193 @@
         </p:nvSpPr>
         <p:spPr/>
         <p:txBody>
-          <a:bodyPr>
-            <a:normAutofit/>
+          <a:bodyPr/>
+          <a:lstStyle/>
+          <a:p>
+            <a:r>
+              <a:rPr lang="en-US" dirty="0"/>
+              <a:t>Placebo PL: </a:t>
+            </a:r>
+            <a:r>
+              <a:rPr lang="en-US" dirty="0" err="1"/>
+              <a:t>Randomo</a:t>
+            </a:r>
+            <a:endParaRPr lang="en-US" dirty="0"/>
+          </a:p>
+        </p:txBody>
+      </p:sp>
+      <p:sp>
+        <p:nvSpPr>
+          <p:cNvPr id="3" name="Content Placeholder 2">
+            <a:extLst>
+              <a:ext uri="{FF2B5EF4-FFF2-40B4-BE49-F238E27FC236}">
+                <a16:creationId xmlns:a16="http://schemas.microsoft.com/office/drawing/2014/main" id="{29E68ACF-5AD8-4DC0-900D-18AA91924725}"/>
+              </a:ext>
+            </a:extLst>
+          </p:cNvPr>
+          <p:cNvSpPr>
+            <a:spLocks noGrp="1"/>
+          </p:cNvSpPr>
+          <p:nvPr>
+            <p:ph idx="1"/>
+          </p:nvPr>
+        </p:nvSpPr>
+        <p:spPr/>
+        <p:txBody>
+          <a:bodyPr/>
+          <a:lstStyle/>
+          <a:p>
+            <a:r>
+              <a:rPr lang="en-US" b="1" dirty="0"/>
+              <a:t>Have you seen the world’s worst PL? Now you have.</a:t>
+            </a:r>
+          </a:p>
+          <a:p>
+            <a:pPr lvl="1"/>
+            <a:r>
+              <a:rPr lang="en-US" dirty="0"/>
+              <a:t>Build a table of ASCII symbols</a:t>
+            </a:r>
+          </a:p>
+          <a:p>
+            <a:pPr lvl="1"/>
+            <a:r>
+              <a:rPr lang="en-US" dirty="0"/>
+              <a:t>Pick keywords randomly from the table</a:t>
+            </a:r>
+          </a:p>
+          <a:p>
+            <a:endParaRPr lang="en-US" b="1" dirty="0"/>
+          </a:p>
+        </p:txBody>
+      </p:sp>
+      <p:sp>
+        <p:nvSpPr>
+          <p:cNvPr id="5" name="TextBox 4">
+            <a:extLst>
+              <a:ext uri="{FF2B5EF4-FFF2-40B4-BE49-F238E27FC236}">
+                <a16:creationId xmlns:a16="http://schemas.microsoft.com/office/drawing/2014/main" id="{D4D5E01F-808E-995A-D4A3-2F656DEDDA08}"/>
+              </a:ext>
+            </a:extLst>
+          </p:cNvPr>
+          <p:cNvSpPr txBox="1"/>
+          <p:nvPr/>
+        </p:nvSpPr>
+        <p:spPr>
+          <a:xfrm>
+            <a:off x="2548288" y="5977468"/>
+            <a:ext cx="6097604" cy="369332"/>
+          </a:xfrm>
+          <a:prstGeom prst="rect">
+            <a:avLst/>
+          </a:prstGeom>
+          <a:noFill/>
+        </p:spPr>
+        <p:txBody>
+          <a:bodyPr wrap="square">
+            <a:spAutoFit/>
           </a:bodyPr>
           <a:lstStyle/>
           <a:p>
             <a:r>
-              <a:rPr lang="en-US" sz="4000" b="1" dirty="0"/>
-              <a:t>Study Design Insight: </a:t>
-            </a:r>
-            <a:r>
-              <a:rPr lang="en-US" sz="4000" dirty="0"/>
-              <a:t>Randomized Controlled Trial</a:t>
-            </a:r>
-            <a:endParaRPr lang="en-US" sz="4000" b="1" dirty="0"/>
-          </a:p>
-        </p:txBody>
-      </p:sp>
-      <p:sp>
-        <p:nvSpPr>
-          <p:cNvPr id="3" name="Content Placeholder 2">
-            <a:extLst>
-              <a:ext uri="{FF2B5EF4-FFF2-40B4-BE49-F238E27FC236}">
-                <a16:creationId xmlns:a16="http://schemas.microsoft.com/office/drawing/2014/main" id="{D15E555E-5E50-114D-3F80-D358CA8A87EB}"/>
-              </a:ext>
-            </a:extLst>
-          </p:cNvPr>
-          <p:cNvSpPr>
-            <a:spLocks noGrp="1"/>
-          </p:cNvSpPr>
-          <p:nvPr>
-            <p:ph idx="1"/>
-          </p:nvPr>
-        </p:nvSpPr>
-        <p:spPr/>
-        <p:txBody>
-          <a:bodyPr/>
-          <a:lstStyle/>
-          <a:p>
-            <a:r>
-              <a:rPr lang="en-US" dirty="0"/>
-              <a:t>The 3</a:t>
-            </a:r>
-            <a:r>
-              <a:rPr lang="en-US" baseline="30000" dirty="0"/>
-              <a:t>rd</a:t>
-            </a:r>
-            <a:r>
-              <a:rPr lang="en-US" dirty="0"/>
-              <a:t>+4</a:t>
-            </a:r>
-            <a:r>
-              <a:rPr lang="en-US" baseline="30000" dirty="0"/>
-              <a:t>th</a:t>
-            </a:r>
-            <a:r>
-              <a:rPr lang="en-US" dirty="0"/>
-              <a:t> studies seek to replicate the idea of </a:t>
-            </a:r>
-            <a:r>
-              <a:rPr lang="en-US" i="1" dirty="0"/>
-              <a:t>randomized controlled trials </a:t>
-            </a:r>
-            <a:r>
-              <a:rPr lang="en-US" dirty="0"/>
-              <a:t>(RCTs) in PL design research</a:t>
-            </a:r>
-          </a:p>
-          <a:p>
-            <a:r>
-              <a:rPr lang="en-US" b="1" dirty="0"/>
-              <a:t>Idea:</a:t>
-            </a:r>
-            <a:r>
-              <a:rPr lang="en-US" dirty="0"/>
-              <a:t> Study is interventional. One variable (PL choice) is modified while all others are controlled. Measure impact of this choice</a:t>
-            </a:r>
-          </a:p>
-          <a:p>
-            <a:r>
-              <a:rPr lang="en-US" b="1" dirty="0"/>
-              <a:t>PLs used: </a:t>
-            </a:r>
-            <a:r>
-              <a:rPr lang="en-US" dirty="0"/>
-              <a:t>Java, Python, Perl, Ruby, Quorum (teaching PL)</a:t>
-            </a:r>
-          </a:p>
-          <a:p>
-            <a:r>
-              <a:rPr lang="en-US" b="1" dirty="0"/>
-              <a:t>Challenge:</a:t>
-            </a:r>
-            <a:r>
-              <a:rPr lang="en-US" dirty="0"/>
-              <a:t> What is the baseline, i.e., what is the “placebo?”</a:t>
-            </a:r>
-            <a:endParaRPr lang="en-US" b="1" dirty="0"/>
+              <a:rPr lang="en-US" dirty="0"/>
+              <a:t>https://dl.acm.org/doi/pdf/10.1145/2089155.2089159</a:t>
+            </a:r>
+          </a:p>
+        </p:txBody>
+      </p:sp>
+      <p:pic>
+        <p:nvPicPr>
+          <p:cNvPr id="7" name="Picture 6">
+            <a:extLst>
+              <a:ext uri="{FF2B5EF4-FFF2-40B4-BE49-F238E27FC236}">
+                <a16:creationId xmlns:a16="http://schemas.microsoft.com/office/drawing/2014/main" id="{D8DDA055-9140-C7CF-F945-9F667FE556E7}"/>
+              </a:ext>
+            </a:extLst>
+          </p:cNvPr>
+          <p:cNvPicPr>
+            <a:picLocks noChangeAspect="1"/>
+          </p:cNvPicPr>
+          <p:nvPr/>
+        </p:nvPicPr>
+        <p:blipFill>
+          <a:blip r:embed="rId2"/>
+          <a:stretch>
+            <a:fillRect/>
+          </a:stretch>
+        </p:blipFill>
+        <p:spPr>
+          <a:xfrm>
+            <a:off x="465969" y="3373196"/>
+            <a:ext cx="2924583" cy="2495898"/>
+          </a:xfrm>
+          <a:prstGeom prst="rect">
+            <a:avLst/>
+          </a:prstGeom>
+        </p:spPr>
+      </p:pic>
+      <p:pic>
+        <p:nvPicPr>
+          <p:cNvPr id="9" name="Picture 8">
+            <a:extLst>
+              <a:ext uri="{FF2B5EF4-FFF2-40B4-BE49-F238E27FC236}">
+                <a16:creationId xmlns:a16="http://schemas.microsoft.com/office/drawing/2014/main" id="{0E9E6B9A-01D6-D1EA-82E9-98E3768A1351}"/>
+              </a:ext>
+            </a:extLst>
+          </p:cNvPr>
+          <p:cNvPicPr>
+            <a:picLocks noChangeAspect="1"/>
+          </p:cNvPicPr>
+          <p:nvPr/>
+        </p:nvPicPr>
+        <p:blipFill>
+          <a:blip r:embed="rId3"/>
+          <a:stretch>
+            <a:fillRect/>
+          </a:stretch>
+        </p:blipFill>
+        <p:spPr>
+          <a:xfrm>
+            <a:off x="4224690" y="3249353"/>
+            <a:ext cx="3048425" cy="2619741"/>
+          </a:xfrm>
+          <a:prstGeom prst="rect">
+            <a:avLst/>
+          </a:prstGeom>
+        </p:spPr>
+      </p:pic>
+      <p:sp>
+        <p:nvSpPr>
+          <p:cNvPr id="13" name="TextBox 12">
+            <a:extLst>
+              <a:ext uri="{FF2B5EF4-FFF2-40B4-BE49-F238E27FC236}">
+                <a16:creationId xmlns:a16="http://schemas.microsoft.com/office/drawing/2014/main" id="{33FFC944-4539-99A7-FBE9-7CCE0DEAE4DD}"/>
+              </a:ext>
+            </a:extLst>
+          </p:cNvPr>
+          <p:cNvSpPr txBox="1"/>
+          <p:nvPr/>
+        </p:nvSpPr>
+        <p:spPr>
+          <a:xfrm>
+            <a:off x="7728019" y="3651282"/>
+            <a:ext cx="4261799" cy="1815882"/>
+          </a:xfrm>
+          <a:prstGeom prst="rect">
+            <a:avLst/>
+          </a:prstGeom>
+          <a:noFill/>
+        </p:spPr>
+        <p:txBody>
+          <a:bodyPr wrap="square">
+            <a:spAutoFit/>
+          </a:bodyPr>
+          <a:lstStyle/>
+          <a:p>
+            <a:r>
+              <a:rPr lang="en-US" sz="1600" dirty="0"/>
+              <a:t>Write code that defines a variable x that stores real values and is set to 175.3. The code should also define a variable y that stores a string of characters and saves the word false in it. The code should then check whether x is larger than 100. If so, y should save the word true. Otherwise, y should save the words still false.”</a:t>
+            </a:r>
           </a:p>
         </p:txBody>
       </p:sp>
@@ -19259,7 +19341,7 @@
           <p:cNvPr id="4" name="Slide Number Placeholder 3">
             <a:extLst>
               <a:ext uri="{FF2B5EF4-FFF2-40B4-BE49-F238E27FC236}">
-                <a16:creationId xmlns:a16="http://schemas.microsoft.com/office/drawing/2014/main" id="{20DA62B5-F0DE-8C83-053D-B1F1AC8D4364}"/>
+                <a16:creationId xmlns:a16="http://schemas.microsoft.com/office/drawing/2014/main" id="{46624203-4E5E-4481-659C-0DA2047007B9}"/>
               </a:ext>
             </a:extLst>
           </p:cNvPr>
@@ -19286,7 +19368,7 @@
     </p:spTree>
     <p:extLst>
       <p:ext uri="{BB962C8B-B14F-4D97-AF65-F5344CB8AC3E}">
-        <p14:creationId xmlns:p14="http://schemas.microsoft.com/office/powerpoint/2010/main" val="4136103614"/>
+        <p14:creationId xmlns:p14="http://schemas.microsoft.com/office/powerpoint/2010/main" val="2544801186"/>
       </p:ext>
     </p:extLst>
   </p:cSld>
@@ -19486,273 +19568,6 @@
           </a:prstGeom>
         </p:spPr>
       </p:pic>
-      <p:sp>
-        <p:nvSpPr>
-          <p:cNvPr id="13" name="TextBox 12">
-            <a:extLst>
-              <a:ext uri="{FF2B5EF4-FFF2-40B4-BE49-F238E27FC236}">
-                <a16:creationId xmlns:a16="http://schemas.microsoft.com/office/drawing/2014/main" id="{33FFC944-4539-99A7-FBE9-7CCE0DEAE4DD}"/>
-              </a:ext>
-            </a:extLst>
-          </p:cNvPr>
-          <p:cNvSpPr txBox="1"/>
-          <p:nvPr/>
-        </p:nvSpPr>
-        <p:spPr>
-          <a:xfrm>
-            <a:off x="7728019" y="3651282"/>
-            <a:ext cx="4261799" cy="1815882"/>
-          </a:xfrm>
-          <a:prstGeom prst="rect">
-            <a:avLst/>
-          </a:prstGeom>
-          <a:noFill/>
-        </p:spPr>
-        <p:txBody>
-          <a:bodyPr wrap="square">
-            <a:spAutoFit/>
-          </a:bodyPr>
-          <a:lstStyle/>
-          <a:p>
-            <a:r>
-              <a:rPr lang="en-US" sz="1600" dirty="0"/>
-              <a:t>Write code that defines a variable x that stores real values and is set to 175.3. The code should also define a variable y that stores a string of characters and saves the word false in it. The code should then check whether x is larger than 100. If so, y should save the word true. Otherwise, y should save the words still false.”</a:t>
-            </a:r>
-          </a:p>
-        </p:txBody>
-      </p:sp>
-      <p:sp>
-        <p:nvSpPr>
-          <p:cNvPr id="4" name="Slide Number Placeholder 3">
-            <a:extLst>
-              <a:ext uri="{FF2B5EF4-FFF2-40B4-BE49-F238E27FC236}">
-                <a16:creationId xmlns:a16="http://schemas.microsoft.com/office/drawing/2014/main" id="{46624203-4E5E-4481-659C-0DA2047007B9}"/>
-              </a:ext>
-            </a:extLst>
-          </p:cNvPr>
-          <p:cNvSpPr>
-            <a:spLocks noGrp="1"/>
-          </p:cNvSpPr>
-          <p:nvPr>
-            <p:ph type="sldNum" sz="quarter" idx="12"/>
-          </p:nvPr>
-        </p:nvSpPr>
-        <p:spPr/>
-        <p:txBody>
-          <a:bodyPr/>
-          <a:lstStyle/>
-          <a:p>
-            <a:fld id="{9BF27F29-4B64-4A24-936A-FF41C34C242B}" type="slidenum">
-              <a:rPr lang="en-US" smtClean="0"/>
-              <a:t>41</a:t>
-            </a:fld>
-            <a:endParaRPr lang="en-US"/>
-          </a:p>
-        </p:txBody>
-      </p:sp>
-    </p:spTree>
-    <p:extLst>
-      <p:ext uri="{BB962C8B-B14F-4D97-AF65-F5344CB8AC3E}">
-        <p14:creationId xmlns:p14="http://schemas.microsoft.com/office/powerpoint/2010/main" val="2544801186"/>
-      </p:ext>
-    </p:extLst>
-  </p:cSld>
-  <p:clrMapOvr>
-    <a:masterClrMapping/>
-  </p:clrMapOvr>
-</p:sld>
-</file>
-
-<file path=ppt/slides/slide42.xml><?xml version="1.0" encoding="utf-8"?>
-<p:sld xmlns:a="http://schemas.openxmlformats.org/drawingml/2006/main" xmlns:r="http://schemas.openxmlformats.org/officeDocument/2006/relationships" xmlns:p="http://schemas.openxmlformats.org/presentationml/2006/main">
-  <p:cSld>
-    <p:spTree>
-      <p:nvGrpSpPr>
-        <p:cNvPr id="1" name=""/>
-        <p:cNvGrpSpPr/>
-        <p:nvPr/>
-      </p:nvGrpSpPr>
-      <p:grpSpPr>
-        <a:xfrm>
-          <a:off x="0" y="0"/>
-          <a:ext cx="0" cy="0"/>
-          <a:chOff x="0" y="0"/>
-          <a:chExt cx="0" cy="0"/>
-        </a:xfrm>
-      </p:grpSpPr>
-      <p:sp>
-        <p:nvSpPr>
-          <p:cNvPr id="2" name="Title 1">
-            <a:extLst>
-              <a:ext uri="{FF2B5EF4-FFF2-40B4-BE49-F238E27FC236}">
-                <a16:creationId xmlns:a16="http://schemas.microsoft.com/office/drawing/2014/main" id="{31A9A6CB-6EC2-FBFE-E28F-7B96AA97A6F8}"/>
-              </a:ext>
-            </a:extLst>
-          </p:cNvPr>
-          <p:cNvSpPr>
-            <a:spLocks noGrp="1"/>
-          </p:cNvSpPr>
-          <p:nvPr>
-            <p:ph type="title"/>
-          </p:nvPr>
-        </p:nvSpPr>
-        <p:spPr/>
-        <p:txBody>
-          <a:bodyPr/>
-          <a:lstStyle/>
-          <a:p>
-            <a:r>
-              <a:rPr lang="en-US" dirty="0"/>
-              <a:t>Placebo PL: </a:t>
-            </a:r>
-            <a:r>
-              <a:rPr lang="en-US" dirty="0" err="1"/>
-              <a:t>Randomo</a:t>
-            </a:r>
-            <a:endParaRPr lang="en-US" dirty="0"/>
-          </a:p>
-        </p:txBody>
-      </p:sp>
-      <p:sp>
-        <p:nvSpPr>
-          <p:cNvPr id="3" name="Content Placeholder 2">
-            <a:extLst>
-              <a:ext uri="{FF2B5EF4-FFF2-40B4-BE49-F238E27FC236}">
-                <a16:creationId xmlns:a16="http://schemas.microsoft.com/office/drawing/2014/main" id="{29E68ACF-5AD8-4DC0-900D-18AA91924725}"/>
-              </a:ext>
-            </a:extLst>
-          </p:cNvPr>
-          <p:cNvSpPr>
-            <a:spLocks noGrp="1"/>
-          </p:cNvSpPr>
-          <p:nvPr>
-            <p:ph idx="1"/>
-          </p:nvPr>
-        </p:nvSpPr>
-        <p:spPr/>
-        <p:txBody>
-          <a:bodyPr/>
-          <a:lstStyle/>
-          <a:p>
-            <a:r>
-              <a:rPr lang="en-US" b="1" dirty="0"/>
-              <a:t>Have you seen the world’s worst PL? Now you have.</a:t>
-            </a:r>
-          </a:p>
-          <a:p>
-            <a:pPr lvl="1"/>
-            <a:r>
-              <a:rPr lang="en-US" dirty="0"/>
-              <a:t>Build a table of ASCII symbols</a:t>
-            </a:r>
-          </a:p>
-          <a:p>
-            <a:pPr lvl="1"/>
-            <a:r>
-              <a:rPr lang="en-US" dirty="0"/>
-              <a:t>Pick keywords randomly from the table</a:t>
-            </a:r>
-          </a:p>
-          <a:p>
-            <a:endParaRPr lang="en-US" b="1" dirty="0"/>
-          </a:p>
-        </p:txBody>
-      </p:sp>
-      <p:sp>
-        <p:nvSpPr>
-          <p:cNvPr id="5" name="TextBox 4">
-            <a:extLst>
-              <a:ext uri="{FF2B5EF4-FFF2-40B4-BE49-F238E27FC236}">
-                <a16:creationId xmlns:a16="http://schemas.microsoft.com/office/drawing/2014/main" id="{D4D5E01F-808E-995A-D4A3-2F656DEDDA08}"/>
-              </a:ext>
-            </a:extLst>
-          </p:cNvPr>
-          <p:cNvSpPr txBox="1"/>
-          <p:nvPr/>
-        </p:nvSpPr>
-        <p:spPr>
-          <a:xfrm>
-            <a:off x="2548288" y="5977468"/>
-            <a:ext cx="6097604" cy="369332"/>
-          </a:xfrm>
-          <a:prstGeom prst="rect">
-            <a:avLst/>
-          </a:prstGeom>
-          <a:noFill/>
-        </p:spPr>
-        <p:txBody>
-          <a:bodyPr wrap="square">
-            <a:spAutoFit/>
-          </a:bodyPr>
-          <a:lstStyle/>
-          <a:p>
-            <a:r>
-              <a:rPr lang="en-US" dirty="0"/>
-              <a:t>https://dl.acm.org/doi/pdf/10.1145/2089155.2089159</a:t>
-            </a:r>
-          </a:p>
-        </p:txBody>
-      </p:sp>
-      <p:pic>
-        <p:nvPicPr>
-          <p:cNvPr id="7" name="Picture 6">
-            <a:extLst>
-              <a:ext uri="{FF2B5EF4-FFF2-40B4-BE49-F238E27FC236}">
-                <a16:creationId xmlns:a16="http://schemas.microsoft.com/office/drawing/2014/main" id="{D8DDA055-9140-C7CF-F945-9F667FE556E7}"/>
-              </a:ext>
-            </a:extLst>
-          </p:cNvPr>
-          <p:cNvPicPr>
-            <a:picLocks noChangeAspect="1"/>
-          </p:cNvPicPr>
-          <p:nvPr/>
-        </p:nvPicPr>
-        <p:blipFill>
-          <a:blip r:embed="rId2"/>
-          <a:stretch>
-            <a:fillRect/>
-          </a:stretch>
-        </p:blipFill>
-        <p:spPr>
-          <a:xfrm>
-            <a:off x="465969" y="3373196"/>
-            <a:ext cx="2924583" cy="2495898"/>
-          </a:xfrm>
-          <a:prstGeom prst="rect">
-            <a:avLst/>
-          </a:prstGeom>
-        </p:spPr>
-      </p:pic>
-      <p:pic>
-        <p:nvPicPr>
-          <p:cNvPr id="9" name="Picture 8">
-            <a:extLst>
-              <a:ext uri="{FF2B5EF4-FFF2-40B4-BE49-F238E27FC236}">
-                <a16:creationId xmlns:a16="http://schemas.microsoft.com/office/drawing/2014/main" id="{0E9E6B9A-01D6-D1EA-82E9-98E3768A1351}"/>
-              </a:ext>
-            </a:extLst>
-          </p:cNvPr>
-          <p:cNvPicPr>
-            <a:picLocks noChangeAspect="1"/>
-          </p:cNvPicPr>
-          <p:nvPr/>
-        </p:nvPicPr>
-        <p:blipFill>
-          <a:blip r:embed="rId3"/>
-          <a:stretch>
-            <a:fillRect/>
-          </a:stretch>
-        </p:blipFill>
-        <p:spPr>
-          <a:xfrm>
-            <a:off x="4224690" y="3249353"/>
-            <a:ext cx="3048425" cy="2619741"/>
-          </a:xfrm>
-          <a:prstGeom prst="rect">
-            <a:avLst/>
-          </a:prstGeom>
-        </p:spPr>
-      </p:pic>
       <p:pic>
         <p:nvPicPr>
           <p:cNvPr id="11" name="Picture 10">
@@ -19806,7 +19621,7 @@
           <a:p>
             <a:fld id="{9BF27F29-4B64-4A24-936A-FF41C34C242B}" type="slidenum">
               <a:rPr lang="en-US" smtClean="0"/>
-              <a:t>42</a:t>
+              <a:t>41</a:t>
             </a:fld>
             <a:endParaRPr lang="en-US"/>
           </a:p>
@@ -19825,7 +19640,7 @@
 </p:sld>
 </file>
 
-<file path=ppt/slides/slide43.xml><?xml version="1.0" encoding="utf-8"?>
+<file path=ppt/slides/slide42.xml><?xml version="1.0" encoding="utf-8"?>
 <p:sld xmlns:a="http://schemas.openxmlformats.org/drawingml/2006/main" xmlns:r="http://schemas.openxmlformats.org/officeDocument/2006/relationships" xmlns:p="http://schemas.openxmlformats.org/presentationml/2006/main">
   <p:cSld>
     <p:spTree>
@@ -20306,7 +20121,7 @@
           <a:p>
             <a:fld id="{9BF27F29-4B64-4A24-936A-FF41C34C242B}" type="slidenum">
               <a:rPr lang="en-US" smtClean="0"/>
-              <a:t>43</a:t>
+              <a:t>42</a:t>
             </a:fld>
             <a:endParaRPr lang="en-US"/>
           </a:p>
@@ -20325,7 +20140,7 @@
 </p:sld>
 </file>
 
-<file path=ppt/slides/slide44.xml><?xml version="1.0" encoding="utf-8"?>
+<file path=ppt/slides/slide43.xml><?xml version="1.0" encoding="utf-8"?>
 <p:sld xmlns:a="http://schemas.openxmlformats.org/drawingml/2006/main" xmlns:r="http://schemas.openxmlformats.org/officeDocument/2006/relationships" xmlns:p="http://schemas.openxmlformats.org/presentationml/2006/main">
   <p:cSld>
     <p:spTree>
@@ -21135,7 +20950,7 @@
           <a:p>
             <a:fld id="{9BF27F29-4B64-4A24-936A-FF41C34C242B}" type="slidenum">
               <a:rPr lang="en-US" smtClean="0"/>
-              <a:t>44</a:t>
+              <a:t>43</a:t>
             </a:fld>
             <a:endParaRPr lang="en-US"/>
           </a:p>
@@ -21145,6 +20960,152 @@
     <p:extLst>
       <p:ext uri="{BB962C8B-B14F-4D97-AF65-F5344CB8AC3E}">
         <p14:creationId xmlns:p14="http://schemas.microsoft.com/office/powerpoint/2010/main" val="1655720023"/>
+      </p:ext>
+    </p:extLst>
+  </p:cSld>
+  <p:clrMapOvr>
+    <a:masterClrMapping/>
+  </p:clrMapOvr>
+</p:sld>
+</file>
+
+<file path=ppt/slides/slide44.xml><?xml version="1.0" encoding="utf-8"?>
+<p:sld xmlns:a="http://schemas.openxmlformats.org/drawingml/2006/main" xmlns:r="http://schemas.openxmlformats.org/officeDocument/2006/relationships" xmlns:p="http://schemas.openxmlformats.org/presentationml/2006/main">
+  <p:cSld>
+    <p:spTree>
+      <p:nvGrpSpPr>
+        <p:cNvPr id="1" name=""/>
+        <p:cNvGrpSpPr/>
+        <p:nvPr/>
+      </p:nvGrpSpPr>
+      <p:grpSpPr>
+        <a:xfrm>
+          <a:off x="0" y="0"/>
+          <a:ext cx="0" cy="0"/>
+          <a:chOff x="0" y="0"/>
+          <a:chExt cx="0" cy="0"/>
+        </a:xfrm>
+      </p:grpSpPr>
+      <p:sp>
+        <p:nvSpPr>
+          <p:cNvPr id="2" name="Title 1">
+            <a:extLst>
+              <a:ext uri="{FF2B5EF4-FFF2-40B4-BE49-F238E27FC236}">
+                <a16:creationId xmlns:a16="http://schemas.microsoft.com/office/drawing/2014/main" id="{9062B30C-CDA1-F1A5-3449-804CD1DF3A12}"/>
+              </a:ext>
+            </a:extLst>
+          </p:cNvPr>
+          <p:cNvSpPr>
+            <a:spLocks noGrp="1"/>
+          </p:cNvSpPr>
+          <p:nvPr>
+            <p:ph type="title"/>
+          </p:nvPr>
+        </p:nvSpPr>
+        <p:spPr/>
+        <p:txBody>
+          <a:bodyPr/>
+          <a:lstStyle/>
+          <a:p>
+            <a:r>
+              <a:rPr lang="en-US" dirty="0"/>
+              <a:t>Discussion</a:t>
+            </a:r>
+          </a:p>
+        </p:txBody>
+      </p:sp>
+      <p:sp>
+        <p:nvSpPr>
+          <p:cNvPr id="3" name="Content Placeholder 2">
+            <a:extLst>
+              <a:ext uri="{FF2B5EF4-FFF2-40B4-BE49-F238E27FC236}">
+                <a16:creationId xmlns:a16="http://schemas.microsoft.com/office/drawing/2014/main" id="{4BA58A90-B9D7-EB3A-841E-74094E1CE205}"/>
+              </a:ext>
+            </a:extLst>
+          </p:cNvPr>
+          <p:cNvSpPr>
+            <a:spLocks noGrp="1"/>
+          </p:cNvSpPr>
+          <p:nvPr>
+            <p:ph idx="1"/>
+          </p:nvPr>
+        </p:nvSpPr>
+        <p:spPr/>
+        <p:txBody>
+          <a:bodyPr/>
+          <a:lstStyle/>
+          <a:p>
+            <a:r>
+              <a:rPr lang="en-US" dirty="0"/>
+              <a:t>This study sought randomized controlled trial to:</a:t>
+            </a:r>
+          </a:p>
+          <a:p>
+            <a:pPr lvl="1"/>
+            <a:r>
+              <a:rPr lang="en-US" dirty="0"/>
+              <a:t>Improve reproducibility</a:t>
+            </a:r>
+          </a:p>
+          <a:p>
+            <a:pPr lvl="1"/>
+            <a:r>
+              <a:rPr lang="en-US" dirty="0"/>
+              <a:t>Establish causality</a:t>
+            </a:r>
+          </a:p>
+          <a:p>
+            <a:r>
+              <a:rPr lang="en-US" dirty="0"/>
+              <a:t>The use of placebo helps contextualize absolute performance of PL syntaxes, not just relative performance</a:t>
+            </a:r>
+          </a:p>
+          <a:p>
+            <a:r>
+              <a:rPr lang="en-US" b="1" dirty="0"/>
+              <a:t>Discuss:</a:t>
+            </a:r>
+            <a:r>
+              <a:rPr lang="en-US" dirty="0"/>
+              <a:t> The benefits of RCT are well-advertised. What are any potential limitations?</a:t>
+            </a:r>
+            <a:endParaRPr lang="en-US" b="1" dirty="0"/>
+          </a:p>
+        </p:txBody>
+      </p:sp>
+      <p:sp>
+        <p:nvSpPr>
+          <p:cNvPr id="4" name="Slide Number Placeholder 3">
+            <a:extLst>
+              <a:ext uri="{FF2B5EF4-FFF2-40B4-BE49-F238E27FC236}">
+                <a16:creationId xmlns:a16="http://schemas.microsoft.com/office/drawing/2014/main" id="{1ECBFAF4-7047-3100-7A3C-795542250EAC}"/>
+              </a:ext>
+            </a:extLst>
+          </p:cNvPr>
+          <p:cNvSpPr>
+            <a:spLocks noGrp="1"/>
+          </p:cNvSpPr>
+          <p:nvPr>
+            <p:ph type="sldNum" sz="quarter" idx="12"/>
+          </p:nvPr>
+        </p:nvSpPr>
+        <p:spPr/>
+        <p:txBody>
+          <a:bodyPr/>
+          <a:lstStyle/>
+          <a:p>
+            <a:fld id="{9BF27F29-4B64-4A24-936A-FF41C34C242B}" type="slidenum">
+              <a:rPr lang="en-US" smtClean="0"/>
+              <a:t>44</a:t>
+            </a:fld>
+            <a:endParaRPr lang="en-US"/>
+          </a:p>
+        </p:txBody>
+      </p:sp>
+    </p:spTree>
+    <p:extLst>
+      <p:ext uri="{BB962C8B-B14F-4D97-AF65-F5344CB8AC3E}">
+        <p14:creationId xmlns:p14="http://schemas.microsoft.com/office/powerpoint/2010/main" val="2985022375"/>
       </p:ext>
     </p:extLst>
   </p:cSld>
@@ -21176,7 +21137,7 @@
           <p:cNvPr id="2" name="Title 1">
             <a:extLst>
               <a:ext uri="{FF2B5EF4-FFF2-40B4-BE49-F238E27FC236}">
-                <a16:creationId xmlns:a16="http://schemas.microsoft.com/office/drawing/2014/main" id="{9062B30C-CDA1-F1A5-3449-804CD1DF3A12}"/>
+                <a16:creationId xmlns:a16="http://schemas.microsoft.com/office/drawing/2014/main" id="{CDEDE099-3815-826F-31B0-00734441FE6A}"/>
               </a:ext>
             </a:extLst>
           </p:cNvPr>
@@ -21193,9 +21154,10 @@
           <a:lstStyle/>
           <a:p>
             <a:r>
-              <a:rPr lang="en-US" dirty="0"/>
-              <a:t>Discussion</a:t>
-            </a:r>
+              <a:rPr lang="en-US"/>
+              <a:t>Transition</a:t>
+            </a:r>
+            <a:endParaRPr lang="en-US" dirty="0"/>
           </a:p>
         </p:txBody>
       </p:sp>
@@ -21204,7 +21166,7 @@
           <p:cNvPr id="3" name="Content Placeholder 2">
             <a:extLst>
               <a:ext uri="{FF2B5EF4-FFF2-40B4-BE49-F238E27FC236}">
-                <a16:creationId xmlns:a16="http://schemas.microsoft.com/office/drawing/2014/main" id="{4BA58A90-B9D7-EB3A-841E-74094E1CE205}"/>
+                <a16:creationId xmlns:a16="http://schemas.microsoft.com/office/drawing/2014/main" id="{6CB04360-F531-C3E8-E5EA-2CC0B01FD810}"/>
               </a:ext>
             </a:extLst>
           </p:cNvPr>
@@ -21222,39 +21184,20 @@
           <a:p>
             <a:r>
               <a:rPr lang="en-US" dirty="0"/>
-              <a:t>This study sought randomized controlled trial to:</a:t>
-            </a:r>
-          </a:p>
-          <a:p>
-            <a:pPr lvl="1"/>
-            <a:r>
-              <a:rPr lang="en-US" dirty="0"/>
-              <a:t>Improve reproducibility</a:t>
-            </a:r>
-          </a:p>
-          <a:p>
-            <a:pPr lvl="1"/>
-            <a:r>
-              <a:rPr lang="en-US" dirty="0"/>
-              <a:t>Establish causality</a:t>
-            </a:r>
-          </a:p>
-          <a:p>
-            <a:r>
-              <a:rPr lang="en-US" dirty="0"/>
-              <a:t>The use of placebo helps contextualize absolute performance of PL syntaxes, not just relative performance</a:t>
-            </a:r>
-          </a:p>
-          <a:p>
-            <a:r>
-              <a:rPr lang="en-US" b="1" dirty="0"/>
-              <a:t>Discuss:</a:t>
-            </a:r>
-            <a:r>
-              <a:rPr lang="en-US" dirty="0"/>
-              <a:t> The benefits of RCT are well-advertised. What are any potential limitations?</a:t>
-            </a:r>
-            <a:endParaRPr lang="en-US" b="1" dirty="0"/>
+              <a:t>Randomized controlled trials are highly precise, which can reduce the richness of human experience</a:t>
+            </a:r>
+          </a:p>
+          <a:p>
+            <a:r>
+              <a:rPr lang="en-US" dirty="0"/>
+              <a:t>Qualitative methods are typically used when greater richness of data is a priority</a:t>
+            </a:r>
+          </a:p>
+          <a:p>
+            <a:r>
+              <a:rPr lang="en-US" dirty="0"/>
+              <a:t>Even in quantitative studies, let’s study how to handle demographic information carefully</a:t>
+            </a:r>
           </a:p>
         </p:txBody>
       </p:sp>
@@ -21263,7 +21206,7 @@
           <p:cNvPr id="4" name="Slide Number Placeholder 3">
             <a:extLst>
               <a:ext uri="{FF2B5EF4-FFF2-40B4-BE49-F238E27FC236}">
-                <a16:creationId xmlns:a16="http://schemas.microsoft.com/office/drawing/2014/main" id="{1ECBFAF4-7047-3100-7A3C-795542250EAC}"/>
+                <a16:creationId xmlns:a16="http://schemas.microsoft.com/office/drawing/2014/main" id="{E1633A1B-E658-23B6-C4C7-F99461E0785A}"/>
               </a:ext>
             </a:extLst>
           </p:cNvPr>
@@ -21290,7 +21233,7 @@
     </p:spTree>
     <p:extLst>
       <p:ext uri="{BB962C8B-B14F-4D97-AF65-F5344CB8AC3E}">
-        <p14:creationId xmlns:p14="http://schemas.microsoft.com/office/powerpoint/2010/main" val="2985022375"/>
+        <p14:creationId xmlns:p14="http://schemas.microsoft.com/office/powerpoint/2010/main" val="1124941182"/>
       </p:ext>
     </p:extLst>
   </p:cSld>
@@ -21322,7 +21265,7 @@
           <p:cNvPr id="2" name="Title 1">
             <a:extLst>
               <a:ext uri="{FF2B5EF4-FFF2-40B4-BE49-F238E27FC236}">
-                <a16:creationId xmlns:a16="http://schemas.microsoft.com/office/drawing/2014/main" id="{CDEDE099-3815-826F-31B0-00734441FE6A}"/>
+                <a16:creationId xmlns:a16="http://schemas.microsoft.com/office/drawing/2014/main" id="{B9A71F9E-DA88-D982-67DB-8D1F3205CED8}"/>
               </a:ext>
             </a:extLst>
           </p:cNvPr>
@@ -21339,10 +21282,9 @@
           <a:lstStyle/>
           <a:p>
             <a:r>
-              <a:rPr lang="en-US"/>
-              <a:t>Transition</a:t>
-            </a:r>
-            <a:endParaRPr lang="en-US" dirty="0"/>
+              <a:rPr lang="en-US" dirty="0"/>
+              <a:t>Section: Inclusive Study Design</a:t>
+            </a:r>
           </a:p>
         </p:txBody>
       </p:sp>
@@ -21351,7 +21293,7 @@
           <p:cNvPr id="3" name="Content Placeholder 2">
             <a:extLst>
               <a:ext uri="{FF2B5EF4-FFF2-40B4-BE49-F238E27FC236}">
-                <a16:creationId xmlns:a16="http://schemas.microsoft.com/office/drawing/2014/main" id="{6CB04360-F531-C3E8-E5EA-2CC0B01FD810}"/>
+                <a16:creationId xmlns:a16="http://schemas.microsoft.com/office/drawing/2014/main" id="{5D50DC09-487A-B5A0-3126-A4163B6341C4}"/>
               </a:ext>
             </a:extLst>
           </p:cNvPr>
@@ -21367,22 +21309,7 @@
           <a:bodyPr/>
           <a:lstStyle/>
           <a:p>
-            <a:r>
-              <a:rPr lang="en-US" dirty="0"/>
-              <a:t>Randomized controlled trials are highly precise, which can reduce the richness of human experience</a:t>
-            </a:r>
-          </a:p>
-          <a:p>
-            <a:r>
-              <a:rPr lang="en-US" dirty="0"/>
-              <a:t>Qualitative methods are typically used when greater richness of data is a priority</a:t>
-            </a:r>
-          </a:p>
-          <a:p>
-            <a:r>
-              <a:rPr lang="en-US" dirty="0"/>
-              <a:t>Even in quantitative studies, let’s study how to handle demographic information carefully</a:t>
-            </a:r>
+            <a:endParaRPr lang="en-US"/>
           </a:p>
         </p:txBody>
       </p:sp>
@@ -21391,7 +21318,7 @@
           <p:cNvPr id="4" name="Slide Number Placeholder 3">
             <a:extLst>
               <a:ext uri="{FF2B5EF4-FFF2-40B4-BE49-F238E27FC236}">
-                <a16:creationId xmlns:a16="http://schemas.microsoft.com/office/drawing/2014/main" id="{E1633A1B-E658-23B6-C4C7-F99461E0785A}"/>
+                <a16:creationId xmlns:a16="http://schemas.microsoft.com/office/drawing/2014/main" id="{2BABDE72-DE11-B3E6-7C29-50FCBE46FC97}"/>
               </a:ext>
             </a:extLst>
           </p:cNvPr>
@@ -21418,7 +21345,7 @@
     </p:spTree>
     <p:extLst>
       <p:ext uri="{BB962C8B-B14F-4D97-AF65-F5344CB8AC3E}">
-        <p14:creationId xmlns:p14="http://schemas.microsoft.com/office/powerpoint/2010/main" val="1124941182"/>
+        <p14:creationId xmlns:p14="http://schemas.microsoft.com/office/powerpoint/2010/main" val="2613227083"/>
       </p:ext>
     </p:extLst>
   </p:cSld>
@@ -21450,7 +21377,7 @@
           <p:cNvPr id="2" name="Title 1">
             <a:extLst>
               <a:ext uri="{FF2B5EF4-FFF2-40B4-BE49-F238E27FC236}">
-                <a16:creationId xmlns:a16="http://schemas.microsoft.com/office/drawing/2014/main" id="{B9A71F9E-DA88-D982-67DB-8D1F3205CED8}"/>
+                <a16:creationId xmlns:a16="http://schemas.microsoft.com/office/drawing/2014/main" id="{877703D1-A59B-D504-86D1-5F40CA5867E5}"/>
               </a:ext>
             </a:extLst>
           </p:cNvPr>
@@ -21468,7 +21395,7 @@
           <a:p>
             <a:r>
               <a:rPr lang="en-US" dirty="0"/>
-              <a:t>Section: Inclusive Study Design</a:t>
+              <a:t>Inclusive Study Design</a:t>
             </a:r>
           </a:p>
         </p:txBody>
@@ -21478,7 +21405,7 @@
           <p:cNvPr id="3" name="Content Placeholder 2">
             <a:extLst>
               <a:ext uri="{FF2B5EF4-FFF2-40B4-BE49-F238E27FC236}">
-                <a16:creationId xmlns:a16="http://schemas.microsoft.com/office/drawing/2014/main" id="{5D50DC09-487A-B5A0-3126-A4163B6341C4}"/>
+                <a16:creationId xmlns:a16="http://schemas.microsoft.com/office/drawing/2014/main" id="{DED8E877-CB2B-B9EB-2D41-EF88689A58B3}"/>
               </a:ext>
             </a:extLst>
           </p:cNvPr>
@@ -21491,10 +21418,94 @@
         </p:nvSpPr>
         <p:spPr/>
         <p:txBody>
-          <a:bodyPr/>
-          <a:lstStyle/>
-          <a:p>
-            <a:endParaRPr lang="en-US"/>
+          <a:bodyPr>
+            <a:normAutofit lnSpcReduction="10000"/>
+          </a:bodyPr>
+          <a:lstStyle/>
+          <a:p>
+            <a:r>
+              <a:rPr lang="en-US" dirty="0"/>
+              <a:t>We focus on two core topics: </a:t>
+            </a:r>
+          </a:p>
+          <a:p>
+            <a:pPr marL="658368" lvl="1" indent="-457200">
+              <a:buFont typeface="+mj-lt"/>
+              <a:buAutoNum type="arabicPeriod"/>
+            </a:pPr>
+            <a:r>
+              <a:rPr lang="en-US" dirty="0"/>
+              <a:t>Representing demographic data in studies / forms</a:t>
+            </a:r>
+          </a:p>
+          <a:p>
+            <a:pPr marL="841248" lvl="2" indent="-457200">
+              <a:buFont typeface="+mj-lt"/>
+              <a:buAutoNum type="arabicPeriod"/>
+            </a:pPr>
+            <a:r>
+              <a:rPr lang="en-US" dirty="0"/>
+              <a:t>Why are you collecting the data</a:t>
+            </a:r>
+          </a:p>
+          <a:p>
+            <a:pPr marL="841248" lvl="2" indent="-457200">
+              <a:buFont typeface="+mj-lt"/>
+              <a:buAutoNum type="arabicPeriod"/>
+            </a:pPr>
+            <a:r>
+              <a:rPr lang="en-US" dirty="0"/>
+              <a:t>Self-ID</a:t>
+            </a:r>
+          </a:p>
+          <a:p>
+            <a:pPr marL="658368" lvl="1" indent="-457200">
+              <a:buFont typeface="+mj-lt"/>
+              <a:buAutoNum type="arabicPeriod"/>
+            </a:pPr>
+            <a:r>
+              <a:rPr lang="en-US" dirty="0"/>
+              <a:t>Making studies accessible to disabled participants</a:t>
+            </a:r>
+          </a:p>
+          <a:p>
+            <a:pPr marL="841248" lvl="2" indent="-457200">
+              <a:buFont typeface="+mj-lt"/>
+              <a:buAutoNum type="arabicPeriod"/>
+            </a:pPr>
+            <a:r>
+              <a:rPr lang="en-US" dirty="0"/>
+              <a:t>Visual</a:t>
+            </a:r>
+          </a:p>
+          <a:p>
+            <a:pPr marL="841248" lvl="2" indent="-457200">
+              <a:buFont typeface="+mj-lt"/>
+              <a:buAutoNum type="arabicPeriod"/>
+            </a:pPr>
+            <a:r>
+              <a:rPr lang="en-US" dirty="0"/>
+              <a:t>Neurodevelopmental (e.g. autism, ADHD, dyslexia)</a:t>
+            </a:r>
+          </a:p>
+          <a:p>
+            <a:pPr marL="841248" lvl="2" indent="-457200">
+              <a:buFont typeface="+mj-lt"/>
+              <a:buAutoNum type="arabicPeriod"/>
+            </a:pPr>
+            <a:r>
+              <a:rPr lang="en-US" dirty="0"/>
+              <a:t>Physical (e.g. chronic pain)</a:t>
+            </a:r>
+          </a:p>
+          <a:p>
+            <a:pPr marL="0" indent="0">
+              <a:buNone/>
+            </a:pPr>
+            <a:r>
+              <a:rPr lang="en-US" dirty="0"/>
+              <a:t>After I introduce these topics, you will practice revising a survey that does not follow these best practices</a:t>
+            </a:r>
           </a:p>
         </p:txBody>
       </p:sp>
@@ -21503,7 +21514,7 @@
           <p:cNvPr id="4" name="Slide Number Placeholder 3">
             <a:extLst>
               <a:ext uri="{FF2B5EF4-FFF2-40B4-BE49-F238E27FC236}">
-                <a16:creationId xmlns:a16="http://schemas.microsoft.com/office/drawing/2014/main" id="{2BABDE72-DE11-B3E6-7C29-50FCBE46FC97}"/>
+                <a16:creationId xmlns:a16="http://schemas.microsoft.com/office/drawing/2014/main" id="{FB791200-1A86-0F44-80BF-7D7790D1751A}"/>
               </a:ext>
             </a:extLst>
           </p:cNvPr>
@@ -21530,7 +21541,7 @@
     </p:spTree>
     <p:extLst>
       <p:ext uri="{BB962C8B-B14F-4D97-AF65-F5344CB8AC3E}">
-        <p14:creationId xmlns:p14="http://schemas.microsoft.com/office/powerpoint/2010/main" val="2613227083"/>
+        <p14:creationId xmlns:p14="http://schemas.microsoft.com/office/powerpoint/2010/main" val="3411053002"/>
       </p:ext>
     </p:extLst>
   </p:cSld>
@@ -21562,7 +21573,7 @@
           <p:cNvPr id="2" name="Title 1">
             <a:extLst>
               <a:ext uri="{FF2B5EF4-FFF2-40B4-BE49-F238E27FC236}">
-                <a16:creationId xmlns:a16="http://schemas.microsoft.com/office/drawing/2014/main" id="{877703D1-A59B-D504-86D1-5F40CA5867E5}"/>
+                <a16:creationId xmlns:a16="http://schemas.microsoft.com/office/drawing/2014/main" id="{99A02F91-8A70-264A-E00C-C7C0070C0E02}"/>
               </a:ext>
             </a:extLst>
           </p:cNvPr>
@@ -21580,7 +21591,7 @@
           <a:p>
             <a:r>
               <a:rPr lang="en-US" dirty="0"/>
-              <a:t>Inclusive Study Design</a:t>
+              <a:t>Justification</a:t>
             </a:r>
           </a:p>
         </p:txBody>
@@ -21590,7 +21601,7 @@
           <p:cNvPr id="3" name="Content Placeholder 2">
             <a:extLst>
               <a:ext uri="{FF2B5EF4-FFF2-40B4-BE49-F238E27FC236}">
-                <a16:creationId xmlns:a16="http://schemas.microsoft.com/office/drawing/2014/main" id="{DED8E877-CB2B-B9EB-2D41-EF88689A58B3}"/>
+                <a16:creationId xmlns:a16="http://schemas.microsoft.com/office/drawing/2014/main" id="{E5013320-1785-4166-F175-6C15E34D4A74}"/>
               </a:ext>
             </a:extLst>
           </p:cNvPr>
@@ -21610,86 +21621,48 @@
           <a:p>
             <a:r>
               <a:rPr lang="en-US" dirty="0"/>
-              <a:t>We focus on two core topics: </a:t>
-            </a:r>
-          </a:p>
-          <a:p>
-            <a:pPr marL="658368" lvl="1" indent="-457200">
-              <a:buFont typeface="+mj-lt"/>
-              <a:buAutoNum type="arabicPeriod"/>
-            </a:pPr>
-            <a:r>
-              <a:rPr lang="en-US" dirty="0"/>
-              <a:t>Representing demographic data in studies / forms</a:t>
-            </a:r>
-          </a:p>
-          <a:p>
-            <a:pPr marL="841248" lvl="2" indent="-457200">
-              <a:buFont typeface="+mj-lt"/>
-              <a:buAutoNum type="arabicPeriod"/>
-            </a:pPr>
-            <a:r>
-              <a:rPr lang="en-US" dirty="0"/>
-              <a:t>Why are you collecting the data</a:t>
-            </a:r>
-          </a:p>
-          <a:p>
-            <a:pPr marL="841248" lvl="2" indent="-457200">
-              <a:buFont typeface="+mj-lt"/>
-              <a:buAutoNum type="arabicPeriod"/>
-            </a:pPr>
-            <a:r>
-              <a:rPr lang="en-US" dirty="0"/>
-              <a:t>Self-ID</a:t>
-            </a:r>
-          </a:p>
-          <a:p>
-            <a:pPr marL="658368" lvl="1" indent="-457200">
-              <a:buFont typeface="+mj-lt"/>
-              <a:buAutoNum type="arabicPeriod"/>
-            </a:pPr>
-            <a:r>
-              <a:rPr lang="en-US" dirty="0"/>
-              <a:t>Making studies accessible to disabled participants</a:t>
-            </a:r>
-          </a:p>
-          <a:p>
-            <a:pPr marL="841248" lvl="2" indent="-457200">
-              <a:buFont typeface="+mj-lt"/>
-              <a:buAutoNum type="arabicPeriod"/>
-            </a:pPr>
-            <a:r>
-              <a:rPr lang="en-US" dirty="0"/>
-              <a:t>Visual</a:t>
-            </a:r>
-          </a:p>
-          <a:p>
-            <a:pPr marL="841248" lvl="2" indent="-457200">
-              <a:buFont typeface="+mj-lt"/>
-              <a:buAutoNum type="arabicPeriod"/>
-            </a:pPr>
-            <a:r>
-              <a:rPr lang="en-US" dirty="0"/>
-              <a:t>Neurodevelopmental (e.g. autism, ADHD, dyslexia)</a:t>
-            </a:r>
-          </a:p>
-          <a:p>
-            <a:pPr marL="841248" lvl="2" indent="-457200">
-              <a:buFont typeface="+mj-lt"/>
-              <a:buAutoNum type="arabicPeriod"/>
-            </a:pPr>
-            <a:r>
-              <a:rPr lang="en-US" dirty="0"/>
-              <a:t>Physical (e.g. chronic pain)</a:t>
-            </a:r>
-          </a:p>
-          <a:p>
-            <a:pPr marL="0" indent="0">
-              <a:buNone/>
-            </a:pPr>
-            <a:r>
-              <a:rPr lang="en-US" dirty="0"/>
-              <a:t>After I introduce these topics, you will practice revising a survey that does not follow these best practices</a:t>
+              <a:t>Participant effort and privacy are core design concepts</a:t>
+            </a:r>
+          </a:p>
+          <a:p>
+            <a:pPr lvl="1"/>
+            <a:r>
+              <a:rPr lang="en-US" dirty="0"/>
+              <a:t>Every question you ask represents effort</a:t>
+            </a:r>
+          </a:p>
+          <a:p>
+            <a:pPr lvl="1"/>
+            <a:r>
+              <a:rPr lang="en-US" dirty="0"/>
+              <a:t>Personal questions often represent a privacy cost</a:t>
+            </a:r>
+          </a:p>
+          <a:p>
+            <a:r>
+              <a:rPr lang="en-US" dirty="0"/>
+              <a:t>Whenever you ask for personal data, it must be justified, e.g.:</a:t>
+            </a:r>
+          </a:p>
+          <a:p>
+            <a:pPr lvl="1"/>
+            <a:r>
+              <a:rPr lang="en-US" dirty="0"/>
+              <a:t>Please provide your email address so the researchers can contact you to send you payment for participation and advertise follow-up studies</a:t>
+            </a:r>
+          </a:p>
+          <a:p>
+            <a:pPr lvl="1"/>
+            <a:r>
+              <a:rPr lang="en-US" dirty="0"/>
+              <a:t>Please provide how many years of programming experience you have, so that we can compare experiences of new and experienced programmers</a:t>
+            </a:r>
+          </a:p>
+          <a:p>
+            <a:pPr lvl="1"/>
+            <a:r>
+              <a:rPr lang="en-US" dirty="0"/>
+              <a:t>Provide your race and gender so that the research team can assess the effectiveness of their outreach and recruiting approach</a:t>
             </a:r>
           </a:p>
         </p:txBody>
@@ -21699,7 +21672,7 @@
           <p:cNvPr id="4" name="Slide Number Placeholder 3">
             <a:extLst>
               <a:ext uri="{FF2B5EF4-FFF2-40B4-BE49-F238E27FC236}">
-                <a16:creationId xmlns:a16="http://schemas.microsoft.com/office/drawing/2014/main" id="{FB791200-1A86-0F44-80BF-7D7790D1751A}"/>
+                <a16:creationId xmlns:a16="http://schemas.microsoft.com/office/drawing/2014/main" id="{BCF4DDF7-F4B8-E54E-AC26-A622BA0B100B}"/>
               </a:ext>
             </a:extLst>
           </p:cNvPr>
@@ -21726,7 +21699,7 @@
     </p:spTree>
     <p:extLst>
       <p:ext uri="{BB962C8B-B14F-4D97-AF65-F5344CB8AC3E}">
-        <p14:creationId xmlns:p14="http://schemas.microsoft.com/office/powerpoint/2010/main" val="3411053002"/>
+        <p14:creationId xmlns:p14="http://schemas.microsoft.com/office/powerpoint/2010/main" val="3326696233"/>
       </p:ext>
     </p:extLst>
   </p:cSld>
@@ -21758,7 +21731,7 @@
           <p:cNvPr id="2" name="Title 1">
             <a:extLst>
               <a:ext uri="{FF2B5EF4-FFF2-40B4-BE49-F238E27FC236}">
-                <a16:creationId xmlns:a16="http://schemas.microsoft.com/office/drawing/2014/main" id="{99A02F91-8A70-264A-E00C-C7C0070C0E02}"/>
+                <a16:creationId xmlns:a16="http://schemas.microsoft.com/office/drawing/2014/main" id="{E8F637FD-36F7-4191-A976-A90BE0E8EA5C}"/>
               </a:ext>
             </a:extLst>
           </p:cNvPr>
@@ -21776,7 +21749,7 @@
           <a:p>
             <a:r>
               <a:rPr lang="en-US" dirty="0"/>
-              <a:t>Justification</a:t>
+              <a:t>Self-Identification</a:t>
             </a:r>
           </a:p>
         </p:txBody>
@@ -21786,7 +21759,7 @@
           <p:cNvPr id="3" name="Content Placeholder 2">
             <a:extLst>
               <a:ext uri="{FF2B5EF4-FFF2-40B4-BE49-F238E27FC236}">
-                <a16:creationId xmlns:a16="http://schemas.microsoft.com/office/drawing/2014/main" id="{E5013320-1785-4166-F175-6C15E34D4A74}"/>
+                <a16:creationId xmlns:a16="http://schemas.microsoft.com/office/drawing/2014/main" id="{632E56C5-5A78-C6DA-1F1F-B76B34E55B9E}"/>
               </a:ext>
             </a:extLst>
           </p:cNvPr>
@@ -21799,56 +21772,65 @@
         </p:nvSpPr>
         <p:spPr/>
         <p:txBody>
-          <a:bodyPr>
-            <a:normAutofit lnSpcReduction="10000"/>
-          </a:bodyPr>
-          <a:lstStyle/>
-          <a:p>
-            <a:r>
-              <a:rPr lang="en-US" dirty="0"/>
-              <a:t>Participant effort and privacy are core design concepts</a:t>
-            </a:r>
+          <a:bodyPr/>
+          <a:lstStyle/>
+          <a:p>
+            <a:r>
+              <a:rPr lang="en-US" dirty="0"/>
+              <a:t>In the real world, people describe themselves in many different ways</a:t>
+            </a:r>
+          </a:p>
+          <a:p>
+            <a:r>
+              <a:rPr lang="en-US" dirty="0"/>
+              <a:t>It is best-practice for survey design to capture real-world data as accurately as possible, so it is important to let people self-describe their identity with a fill-in-the-blank question, </a:t>
+            </a:r>
+            <a:r>
+              <a:rPr lang="en-US" b="1" dirty="0"/>
+              <a:t>if collected</a:t>
+            </a:r>
+            <a:endParaRPr lang="en-US" dirty="0"/>
           </a:p>
           <a:p>
             <a:pPr lvl="1"/>
             <a:r>
               <a:rPr lang="en-US" dirty="0"/>
-              <a:t>Every question you ask represents effort</a:t>
+              <a:t>Gender</a:t>
             </a:r>
           </a:p>
           <a:p>
             <a:pPr lvl="1"/>
             <a:r>
               <a:rPr lang="en-US" dirty="0"/>
-              <a:t>Personal questions often represent a privacy cost</a:t>
-            </a:r>
-          </a:p>
-          <a:p>
-            <a:r>
-              <a:rPr lang="en-US" dirty="0"/>
-              <a:t>Whenever you ask for personal data, it must be justified, e.g.:</a:t>
+              <a:t>Personal pronouns</a:t>
             </a:r>
           </a:p>
           <a:p>
             <a:pPr lvl="1"/>
             <a:r>
               <a:rPr lang="en-US" dirty="0"/>
-              <a:t>Please provide your email address so the researchers can contact you to send you payment for participation and advertise follow-up studies</a:t>
-            </a:r>
+              <a:t>Race</a:t>
+            </a:r>
+          </a:p>
+          <a:p>
+            <a:r>
+              <a:rPr lang="en-US" dirty="0"/>
+              <a:t>This is part of standard guidelines established based on research since 2018: </a:t>
+            </a:r>
+            <a:r>
+              <a:rPr lang="en-US" dirty="0">
+                <a:hlinkClick r:id="rId2"/>
+              </a:rPr>
+              <a:t>https://www.morgan-klaus.com/gender-guidelines.html</a:t>
+            </a:r>
+            <a:endParaRPr lang="en-US" dirty="0"/>
+          </a:p>
+          <a:p>
+            <a:endParaRPr lang="en-US" dirty="0"/>
           </a:p>
           <a:p>
             <a:pPr lvl="1"/>
-            <a:r>
-              <a:rPr lang="en-US" dirty="0"/>
-              <a:t>Please provide how many years of programming experience you have, so that we can compare experiences of new and experienced programmers</a:t>
-            </a:r>
-          </a:p>
-          <a:p>
-            <a:pPr lvl="1"/>
-            <a:r>
-              <a:rPr lang="en-US" dirty="0"/>
-              <a:t>Provide your race and gender so that the research team can assess the effectiveness of their outreach and recruiting approach</a:t>
-            </a:r>
+            <a:endParaRPr lang="en-US" dirty="0"/>
           </a:p>
         </p:txBody>
       </p:sp>
@@ -21857,7 +21839,7 @@
           <p:cNvPr id="4" name="Slide Number Placeholder 3">
             <a:extLst>
               <a:ext uri="{FF2B5EF4-FFF2-40B4-BE49-F238E27FC236}">
-                <a16:creationId xmlns:a16="http://schemas.microsoft.com/office/drawing/2014/main" id="{BCF4DDF7-F4B8-E54E-AC26-A622BA0B100B}"/>
+                <a16:creationId xmlns:a16="http://schemas.microsoft.com/office/drawing/2014/main" id="{32E1E75A-0DD5-9CEF-0FE7-FB0BE3C61DDA}"/>
               </a:ext>
             </a:extLst>
           </p:cNvPr>
@@ -21884,7 +21866,7 @@
     </p:spTree>
     <p:extLst>
       <p:ext uri="{BB962C8B-B14F-4D97-AF65-F5344CB8AC3E}">
-        <p14:creationId xmlns:p14="http://schemas.microsoft.com/office/powerpoint/2010/main" val="3326696233"/>
+        <p14:creationId xmlns:p14="http://schemas.microsoft.com/office/powerpoint/2010/main" val="2557977325"/>
       </p:ext>
     </p:extLst>
   </p:cSld>
@@ -22079,7 +22061,7 @@
           <p:cNvPr id="2" name="Title 1">
             <a:extLst>
               <a:ext uri="{FF2B5EF4-FFF2-40B4-BE49-F238E27FC236}">
-                <a16:creationId xmlns:a16="http://schemas.microsoft.com/office/drawing/2014/main" id="{E8F637FD-36F7-4191-A976-A90BE0E8EA5C}"/>
+                <a16:creationId xmlns:a16="http://schemas.microsoft.com/office/drawing/2014/main" id="{4FFF1F96-0D69-E7B5-70AC-A4444C509985}"/>
               </a:ext>
             </a:extLst>
           </p:cNvPr>
@@ -22097,7 +22079,7 @@
           <a:p>
             <a:r>
               <a:rPr lang="en-US" dirty="0"/>
-              <a:t>Self-Identification</a:t>
+              <a:t>Analyzing Self-ID Data</a:t>
             </a:r>
           </a:p>
         </p:txBody>
@@ -22107,7 +22089,7 @@
           <p:cNvPr id="3" name="Content Placeholder 2">
             <a:extLst>
               <a:ext uri="{FF2B5EF4-FFF2-40B4-BE49-F238E27FC236}">
-                <a16:creationId xmlns:a16="http://schemas.microsoft.com/office/drawing/2014/main" id="{632E56C5-5A78-C6DA-1F1F-B76B34E55B9E}"/>
+                <a16:creationId xmlns:a16="http://schemas.microsoft.com/office/drawing/2014/main" id="{3023BC67-296A-BC08-24A1-9D466EBE96FC}"/>
               </a:ext>
             </a:extLst>
           </p:cNvPr>
@@ -22125,60 +22107,28 @@
           <a:p>
             <a:r>
               <a:rPr lang="en-US" dirty="0"/>
-              <a:t>In the real world, people describe themselves in many different ways</a:t>
-            </a:r>
-          </a:p>
-          <a:p>
-            <a:r>
-              <a:rPr lang="en-US" dirty="0"/>
-              <a:t>It is best-practice for survey design to capture real-world data as accurately as possible, so it is important to let people self-describe their identity with a fill-in-the-blank question, </a:t>
-            </a:r>
-            <a:r>
-              <a:rPr lang="en-US" b="1" dirty="0"/>
-              <a:t>if collected</a:t>
-            </a:r>
-            <a:endParaRPr lang="en-US" dirty="0"/>
+              <a:t>More complex data typically require more complex analysis. The exact analysis will depend on the purpose of your study</a:t>
+            </a:r>
+          </a:p>
+          <a:p>
+            <a:r>
+              <a:rPr lang="en-US" dirty="0"/>
+              <a:t>It is common for people to use different capitalization or abbreviations for the same answer, e.g.: “female”, “Female”, “F”</a:t>
+            </a:r>
           </a:p>
           <a:p>
             <a:pPr lvl="1"/>
             <a:r>
               <a:rPr lang="en-US" dirty="0"/>
-              <a:t>Gender</a:t>
+              <a:t>Data cleaning can be used to group these three examples together</a:t>
             </a:r>
           </a:p>
           <a:p>
             <a:pPr lvl="1"/>
             <a:r>
               <a:rPr lang="en-US" dirty="0"/>
-              <a:t>Personal pronouns</a:t>
-            </a:r>
-          </a:p>
-          <a:p>
-            <a:pPr lvl="1"/>
-            <a:r>
-              <a:rPr lang="en-US" dirty="0"/>
-              <a:t>Race</a:t>
-            </a:r>
-          </a:p>
-          <a:p>
-            <a:r>
-              <a:rPr lang="en-US" dirty="0"/>
-              <a:t>This is part of standard guidelines established based on research since 2018: </a:t>
-            </a:r>
-            <a:r>
-              <a:rPr lang="en-US" dirty="0">
-                <a:hlinkClick r:id="rId2"/>
-              </a:rPr>
-              <a:t>https://www.morgan-klaus.com/gender-guidelines.html</a:t>
-            </a:r>
-            <a:endParaRPr lang="en-US" dirty="0"/>
-          </a:p>
-          <a:p>
-            <a:endParaRPr lang="en-US" dirty="0"/>
-          </a:p>
-          <a:p>
-            <a:pPr lvl="1"/>
-            <a:endParaRPr lang="en-US" dirty="0"/>
+              <a:t>Open text responses allow respondents to self-express subtle differences in identity (e.g. “woman” vs. “female”) while allowing grouping when needed</a:t>
+            </a:r>
           </a:p>
         </p:txBody>
       </p:sp>
@@ -22187,7 +22137,7 @@
           <p:cNvPr id="4" name="Slide Number Placeholder 3">
             <a:extLst>
               <a:ext uri="{FF2B5EF4-FFF2-40B4-BE49-F238E27FC236}">
-                <a16:creationId xmlns:a16="http://schemas.microsoft.com/office/drawing/2014/main" id="{32E1E75A-0DD5-9CEF-0FE7-FB0BE3C61DDA}"/>
+                <a16:creationId xmlns:a16="http://schemas.microsoft.com/office/drawing/2014/main" id="{772ECD62-F9AA-3010-66A0-12970746F4B4}"/>
               </a:ext>
             </a:extLst>
           </p:cNvPr>
@@ -22214,7 +22164,7 @@
     </p:spTree>
     <p:extLst>
       <p:ext uri="{BB962C8B-B14F-4D97-AF65-F5344CB8AC3E}">
-        <p14:creationId xmlns:p14="http://schemas.microsoft.com/office/powerpoint/2010/main" val="2557977325"/>
+        <p14:creationId xmlns:p14="http://schemas.microsoft.com/office/powerpoint/2010/main" val="1784081313"/>
       </p:ext>
     </p:extLst>
   </p:cSld>
@@ -22246,7 +22196,7 @@
           <p:cNvPr id="2" name="Title 1">
             <a:extLst>
               <a:ext uri="{FF2B5EF4-FFF2-40B4-BE49-F238E27FC236}">
-                <a16:creationId xmlns:a16="http://schemas.microsoft.com/office/drawing/2014/main" id="{4FFF1F96-0D69-E7B5-70AC-A4444C509985}"/>
+                <a16:creationId xmlns:a16="http://schemas.microsoft.com/office/drawing/2014/main" id="{4418A4E1-883C-B360-0347-38C062553EED}"/>
               </a:ext>
             </a:extLst>
           </p:cNvPr>
@@ -22264,7 +22214,7 @@
           <a:p>
             <a:r>
               <a:rPr lang="en-US" dirty="0"/>
-              <a:t>Analyzing Self-ID Data</a:t>
+              <a:t>Accessible Study Design</a:t>
             </a:r>
           </a:p>
         </p:txBody>
@@ -22274,7 +22224,7 @@
           <p:cNvPr id="3" name="Content Placeholder 2">
             <a:extLst>
               <a:ext uri="{FF2B5EF4-FFF2-40B4-BE49-F238E27FC236}">
-                <a16:creationId xmlns:a16="http://schemas.microsoft.com/office/drawing/2014/main" id="{3023BC67-296A-BC08-24A1-9D466EBE96FC}"/>
+                <a16:creationId xmlns:a16="http://schemas.microsoft.com/office/drawing/2014/main" id="{66400707-705B-5D4B-FD30-609E1558D240}"/>
               </a:ext>
             </a:extLst>
           </p:cNvPr>
@@ -22292,27 +22242,33 @@
           <a:p>
             <a:r>
               <a:rPr lang="en-US" dirty="0"/>
-              <a:t>More complex data typically require more complex analysis. The exact analysis will depend on the purpose of your study</a:t>
-            </a:r>
-          </a:p>
-          <a:p>
-            <a:r>
-              <a:rPr lang="en-US" dirty="0"/>
-              <a:t>It is common for people to use different capitalization or abbreviations for the same answer, e.g.: “female”, “Female”, “F”</a:t>
-            </a:r>
-          </a:p>
-          <a:p>
-            <a:pPr lvl="1"/>
-            <a:r>
-              <a:rPr lang="en-US" dirty="0"/>
-              <a:t>Data cleaning can be used to group these three examples together</a:t>
-            </a:r>
-          </a:p>
-          <a:p>
-            <a:pPr lvl="1"/>
-            <a:r>
-              <a:rPr lang="en-US" dirty="0"/>
-              <a:t>Open text responses allow respondents to self-express subtle differences in identity (e.g. “woman” vs. “female”) while allowing grouping when needed</a:t>
+              <a:t>To maximize the variety of available data, it is best practice for surveys to be made accessible for disabled participants</a:t>
+            </a:r>
+          </a:p>
+          <a:p>
+            <a:r>
+              <a:rPr lang="en-US" b="1" dirty="0"/>
+              <a:t>Universal design: </a:t>
+            </a:r>
+            <a:r>
+              <a:rPr lang="en-US" dirty="0"/>
+              <a:t>Design written materials to work for the widest audience of participants as possible</a:t>
+            </a:r>
+          </a:p>
+          <a:p>
+            <a:r>
+              <a:rPr lang="en-US" b="1" dirty="0"/>
+              <a:t>Specific accommodations:</a:t>
+            </a:r>
+            <a:r>
+              <a:rPr lang="en-US" dirty="0"/>
+              <a:t> Specific people with specific disabilities may need additional accommodations for in-person research</a:t>
+            </a:r>
+          </a:p>
+          <a:p>
+            <a:r>
+              <a:rPr lang="en-US" dirty="0"/>
+              <a:t>This is not an exhaustive guide</a:t>
             </a:r>
           </a:p>
         </p:txBody>
@@ -22322,7 +22278,7 @@
           <p:cNvPr id="4" name="Slide Number Placeholder 3">
             <a:extLst>
               <a:ext uri="{FF2B5EF4-FFF2-40B4-BE49-F238E27FC236}">
-                <a16:creationId xmlns:a16="http://schemas.microsoft.com/office/drawing/2014/main" id="{772ECD62-F9AA-3010-66A0-12970746F4B4}"/>
+                <a16:creationId xmlns:a16="http://schemas.microsoft.com/office/drawing/2014/main" id="{5A680658-5C39-C9B7-D266-CC4C83C0B9A7}"/>
               </a:ext>
             </a:extLst>
           </p:cNvPr>
@@ -22349,7 +22305,7 @@
     </p:spTree>
     <p:extLst>
       <p:ext uri="{BB962C8B-B14F-4D97-AF65-F5344CB8AC3E}">
-        <p14:creationId xmlns:p14="http://schemas.microsoft.com/office/powerpoint/2010/main" val="1784081313"/>
+        <p14:creationId xmlns:p14="http://schemas.microsoft.com/office/powerpoint/2010/main" val="4231665509"/>
       </p:ext>
     </p:extLst>
   </p:cSld>
@@ -22381,7 +22337,7 @@
           <p:cNvPr id="2" name="Title 1">
             <a:extLst>
               <a:ext uri="{FF2B5EF4-FFF2-40B4-BE49-F238E27FC236}">
-                <a16:creationId xmlns:a16="http://schemas.microsoft.com/office/drawing/2014/main" id="{4418A4E1-883C-B360-0347-38C062553EED}"/>
+                <a16:creationId xmlns:a16="http://schemas.microsoft.com/office/drawing/2014/main" id="{5BAD0CC5-DE2A-7C09-1178-1C26A3E39F84}"/>
               </a:ext>
             </a:extLst>
           </p:cNvPr>
@@ -22399,7 +22355,7 @@
           <a:p>
             <a:r>
               <a:rPr lang="en-US" dirty="0"/>
-              <a:t>Accessible Study Design</a:t>
+              <a:t>Accessibility - Visual</a:t>
             </a:r>
           </a:p>
         </p:txBody>
@@ -22409,7 +22365,7 @@
           <p:cNvPr id="3" name="Content Placeholder 2">
             <a:extLst>
               <a:ext uri="{FF2B5EF4-FFF2-40B4-BE49-F238E27FC236}">
-                <a16:creationId xmlns:a16="http://schemas.microsoft.com/office/drawing/2014/main" id="{66400707-705B-5D4B-FD30-609E1558D240}"/>
+                <a16:creationId xmlns:a16="http://schemas.microsoft.com/office/drawing/2014/main" id="{800E5E72-EFF2-E98A-E0F5-0678CC0AD900}"/>
               </a:ext>
             </a:extLst>
           </p:cNvPr>
@@ -22425,35 +22381,24 @@
           <a:bodyPr/>
           <a:lstStyle/>
           <a:p>
-            <a:r>
-              <a:rPr lang="en-US" dirty="0"/>
-              <a:t>To maximize the variety of available data, it is best practice for surveys to be made accessible for disabled participants</a:t>
-            </a:r>
-          </a:p>
-          <a:p>
-            <a:r>
-              <a:rPr lang="en-US" b="1" dirty="0"/>
-              <a:t>Universal design: </a:t>
-            </a:r>
-            <a:r>
-              <a:rPr lang="en-US" dirty="0"/>
-              <a:t>Design written materials to work for the widest audience of participants as possible</a:t>
-            </a:r>
-          </a:p>
-          <a:p>
-            <a:r>
-              <a:rPr lang="en-US" b="1" dirty="0"/>
-              <a:t>Specific accommodations:</a:t>
-            </a:r>
-            <a:r>
-              <a:rPr lang="en-US" dirty="0"/>
-              <a:t> Specific people with specific disabilities may need additional accommodations for in-person research</a:t>
-            </a:r>
-          </a:p>
-          <a:p>
-            <a:r>
-              <a:rPr lang="en-US" dirty="0"/>
-              <a:t>This is not an exhaustive guide</a:t>
+            <a:pPr lvl="1"/>
+            <a:r>
+              <a:rPr lang="en-US" dirty="0"/>
+              <a:t>For printed surveys where participants may have limited vision, a large-print version of the survey should be made available</a:t>
+            </a:r>
+          </a:p>
+          <a:p>
+            <a:pPr lvl="1"/>
+            <a:r>
+              <a:rPr lang="en-US" dirty="0"/>
+              <a:t>For participants with no vision, ensure that digital surveys are compatible with screen-readers or, if the survey is in-person, ensure an alternative to the written survey, such as an interview, is provided</a:t>
+            </a:r>
+          </a:p>
+          <a:p>
+            <a:pPr lvl="1"/>
+            <a:r>
+              <a:rPr lang="en-US" dirty="0"/>
+              <a:t>If color is used in the survey to communicate information to the reader (e.g. in figures), it should not be the only way that information is communicated, so that colorblind participants can receive the same information</a:t>
             </a:r>
           </a:p>
         </p:txBody>
@@ -22463,7 +22408,7 @@
           <p:cNvPr id="4" name="Slide Number Placeholder 3">
             <a:extLst>
               <a:ext uri="{FF2B5EF4-FFF2-40B4-BE49-F238E27FC236}">
-                <a16:creationId xmlns:a16="http://schemas.microsoft.com/office/drawing/2014/main" id="{5A680658-5C39-C9B7-D266-CC4C83C0B9A7}"/>
+                <a16:creationId xmlns:a16="http://schemas.microsoft.com/office/drawing/2014/main" id="{45C668F2-766E-D0B0-9CEE-5A64059834B2}"/>
               </a:ext>
             </a:extLst>
           </p:cNvPr>
@@ -22490,7 +22435,7 @@
     </p:spTree>
     <p:extLst>
       <p:ext uri="{BB962C8B-B14F-4D97-AF65-F5344CB8AC3E}">
-        <p14:creationId xmlns:p14="http://schemas.microsoft.com/office/powerpoint/2010/main" val="4231665509"/>
+        <p14:creationId xmlns:p14="http://schemas.microsoft.com/office/powerpoint/2010/main" val="524193982"/>
       </p:ext>
     </p:extLst>
   </p:cSld>
@@ -22522,7 +22467,7 @@
           <p:cNvPr id="2" name="Title 1">
             <a:extLst>
               <a:ext uri="{FF2B5EF4-FFF2-40B4-BE49-F238E27FC236}">
-                <a16:creationId xmlns:a16="http://schemas.microsoft.com/office/drawing/2014/main" id="{5BAD0CC5-DE2A-7C09-1178-1C26A3E39F84}"/>
+                <a16:creationId xmlns:a16="http://schemas.microsoft.com/office/drawing/2014/main" id="{05E66AAC-6575-2CD0-9987-ED97AB6856CA}"/>
               </a:ext>
             </a:extLst>
           </p:cNvPr>
@@ -22540,7 +22485,7 @@
           <a:p>
             <a:r>
               <a:rPr lang="en-US" dirty="0"/>
-              <a:t>Accessibility - Visual</a:t>
+              <a:t>Accessibility - Neurodevelopmental</a:t>
             </a:r>
           </a:p>
         </p:txBody>
@@ -22550,7 +22495,7 @@
           <p:cNvPr id="3" name="Content Placeholder 2">
             <a:extLst>
               <a:ext uri="{FF2B5EF4-FFF2-40B4-BE49-F238E27FC236}">
-                <a16:creationId xmlns:a16="http://schemas.microsoft.com/office/drawing/2014/main" id="{800E5E72-EFF2-E98A-E0F5-0678CC0AD900}"/>
+                <a16:creationId xmlns:a16="http://schemas.microsoft.com/office/drawing/2014/main" id="{C09F703D-AA12-3D6A-F331-AE692520A923}"/>
               </a:ext>
             </a:extLst>
           </p:cNvPr>
@@ -22569,21 +22514,21 @@
             <a:pPr lvl="1"/>
             <a:r>
               <a:rPr lang="en-US" dirty="0"/>
-              <a:t>For printed surveys where participants may have limited vision, a large-print version of the survey should be made available</a:t>
+              <a:t>For printed surveys with dyslexic participants, dyslexia-friendly fonts should be used. Comic-style fonts such as MS Comic Sans are often used for this purpose</a:t>
             </a:r>
           </a:p>
           <a:p>
             <a:pPr lvl="1"/>
             <a:r>
               <a:rPr lang="en-US" dirty="0"/>
-              <a:t>For participants with no vision, ensure that digital surveys are compatible with screen-readers or, if the survey is in-person, ensure an alternative to the written survey, such as an interview, is provided</a:t>
+              <a:t>Participants with attention issues should be permitted to take breaks</a:t>
             </a:r>
           </a:p>
           <a:p>
             <a:pPr lvl="1"/>
             <a:r>
               <a:rPr lang="en-US" dirty="0"/>
-              <a:t>If color is used in the survey to communicate information to the reader (e.g. in figures), it should not be the only way that information is communicated, so that colorblind participants can receive the same information</a:t>
+              <a:t>In-person studies whose participants have sensory issues should make sure to choose a location that does not aggravate those issues (e.g., a quiet place with no bright lights and no strong smells)</a:t>
             </a:r>
           </a:p>
         </p:txBody>
@@ -22593,7 +22538,7 @@
           <p:cNvPr id="4" name="Slide Number Placeholder 3">
             <a:extLst>
               <a:ext uri="{FF2B5EF4-FFF2-40B4-BE49-F238E27FC236}">
-                <a16:creationId xmlns:a16="http://schemas.microsoft.com/office/drawing/2014/main" id="{45C668F2-766E-D0B0-9CEE-5A64059834B2}"/>
+                <a16:creationId xmlns:a16="http://schemas.microsoft.com/office/drawing/2014/main" id="{E669AE4E-FA35-4F58-2C62-63522E9BDDDC}"/>
               </a:ext>
             </a:extLst>
           </p:cNvPr>
@@ -22620,7 +22565,7 @@
     </p:spTree>
     <p:extLst>
       <p:ext uri="{BB962C8B-B14F-4D97-AF65-F5344CB8AC3E}">
-        <p14:creationId xmlns:p14="http://schemas.microsoft.com/office/powerpoint/2010/main" val="524193982"/>
+        <p14:creationId xmlns:p14="http://schemas.microsoft.com/office/powerpoint/2010/main" val="4121390617"/>
       </p:ext>
     </p:extLst>
   </p:cSld>
@@ -22652,7 +22597,7 @@
           <p:cNvPr id="2" name="Title 1">
             <a:extLst>
               <a:ext uri="{FF2B5EF4-FFF2-40B4-BE49-F238E27FC236}">
-                <a16:creationId xmlns:a16="http://schemas.microsoft.com/office/drawing/2014/main" id="{05E66AAC-6575-2CD0-9987-ED97AB6856CA}"/>
+                <a16:creationId xmlns:a16="http://schemas.microsoft.com/office/drawing/2014/main" id="{B2FC3836-8FD1-7916-47C9-07DB2673B2D1}"/>
               </a:ext>
             </a:extLst>
           </p:cNvPr>
@@ -22670,7 +22615,7 @@
           <a:p>
             <a:r>
               <a:rPr lang="en-US" dirty="0"/>
-              <a:t>Accessibility - Neurodevelopmental</a:t>
+              <a:t>Accessibility - Physical</a:t>
             </a:r>
           </a:p>
         </p:txBody>
@@ -22680,7 +22625,7 @@
           <p:cNvPr id="3" name="Content Placeholder 2">
             <a:extLst>
               <a:ext uri="{FF2B5EF4-FFF2-40B4-BE49-F238E27FC236}">
-                <a16:creationId xmlns:a16="http://schemas.microsoft.com/office/drawing/2014/main" id="{C09F703D-AA12-3D6A-F331-AE692520A923}"/>
+                <a16:creationId xmlns:a16="http://schemas.microsoft.com/office/drawing/2014/main" id="{9D7F00F6-1EFC-FA71-622E-5B4D49596DDA}"/>
               </a:ext>
             </a:extLst>
           </p:cNvPr>
@@ -22699,21 +22644,14 @@
             <a:pPr lvl="1"/>
             <a:r>
               <a:rPr lang="en-US" dirty="0"/>
-              <a:t>For printed surveys with dyslexic participants, dyslexia-friendly fonts should be used. Comic-style fonts such as MS Comic Sans are often used for this purpose</a:t>
+              <a:t>Some people cannot write or can only write for limited periods of time, using special arthritis-friendly writing tools. Providing digital surveys enables such people to participate. If in-person participation is required, advance notice should be given that writing is required, so that participants can bring appropriate tools.</a:t>
             </a:r>
           </a:p>
           <a:p>
             <a:pPr lvl="1"/>
             <a:r>
               <a:rPr lang="en-US" dirty="0"/>
-              <a:t>Participants with attention issues should be permitted to take breaks</a:t>
-            </a:r>
-          </a:p>
-          <a:p>
-            <a:pPr lvl="1"/>
-            <a:r>
-              <a:rPr lang="en-US" dirty="0"/>
-              <a:t>In-person studies whose participants have sensory issues should make sure to choose a location that does not aggravate those issues (e.g., a quiet place with no bright lights and no strong smells)</a:t>
+              <a:t>If you are preparing a physical space for participants to take the study, make sure there is proper furniture if the participant needs to sit. Avoid places that only have stools with no back.</a:t>
             </a:r>
           </a:p>
         </p:txBody>
@@ -22723,7 +22661,7 @@
           <p:cNvPr id="4" name="Slide Number Placeholder 3">
             <a:extLst>
               <a:ext uri="{FF2B5EF4-FFF2-40B4-BE49-F238E27FC236}">
-                <a16:creationId xmlns:a16="http://schemas.microsoft.com/office/drawing/2014/main" id="{E669AE4E-FA35-4F58-2C62-63522E9BDDDC}"/>
+                <a16:creationId xmlns:a16="http://schemas.microsoft.com/office/drawing/2014/main" id="{62833E72-E1E9-0DBA-092E-0D55C392D29A}"/>
               </a:ext>
             </a:extLst>
           </p:cNvPr>
@@ -22750,7 +22688,7 @@
     </p:spTree>
     <p:extLst>
       <p:ext uri="{BB962C8B-B14F-4D97-AF65-F5344CB8AC3E}">
-        <p14:creationId xmlns:p14="http://schemas.microsoft.com/office/powerpoint/2010/main" val="4121390617"/>
+        <p14:creationId xmlns:p14="http://schemas.microsoft.com/office/powerpoint/2010/main" val="320697711"/>
       </p:ext>
     </p:extLst>
   </p:cSld>
@@ -22782,129 +22720,6 @@
           <p:cNvPr id="2" name="Title 1">
             <a:extLst>
               <a:ext uri="{FF2B5EF4-FFF2-40B4-BE49-F238E27FC236}">
-                <a16:creationId xmlns:a16="http://schemas.microsoft.com/office/drawing/2014/main" id="{B2FC3836-8FD1-7916-47C9-07DB2673B2D1}"/>
-              </a:ext>
-            </a:extLst>
-          </p:cNvPr>
-          <p:cNvSpPr>
-            <a:spLocks noGrp="1"/>
-          </p:cNvSpPr>
-          <p:nvPr>
-            <p:ph type="title"/>
-          </p:nvPr>
-        </p:nvSpPr>
-        <p:spPr/>
-        <p:txBody>
-          <a:bodyPr/>
-          <a:lstStyle/>
-          <a:p>
-            <a:r>
-              <a:rPr lang="en-US" dirty="0"/>
-              <a:t>Accessibility - Physical</a:t>
-            </a:r>
-          </a:p>
-        </p:txBody>
-      </p:sp>
-      <p:sp>
-        <p:nvSpPr>
-          <p:cNvPr id="3" name="Content Placeholder 2">
-            <a:extLst>
-              <a:ext uri="{FF2B5EF4-FFF2-40B4-BE49-F238E27FC236}">
-                <a16:creationId xmlns:a16="http://schemas.microsoft.com/office/drawing/2014/main" id="{9D7F00F6-1EFC-FA71-622E-5B4D49596DDA}"/>
-              </a:ext>
-            </a:extLst>
-          </p:cNvPr>
-          <p:cNvSpPr>
-            <a:spLocks noGrp="1"/>
-          </p:cNvSpPr>
-          <p:nvPr>
-            <p:ph idx="1"/>
-          </p:nvPr>
-        </p:nvSpPr>
-        <p:spPr/>
-        <p:txBody>
-          <a:bodyPr/>
-          <a:lstStyle/>
-          <a:p>
-            <a:pPr lvl="1"/>
-            <a:r>
-              <a:rPr lang="en-US" dirty="0"/>
-              <a:t>Some people cannot write or can only write for limited periods of time, using special arthritis-friendly writing tools. Providing digital surveys enables such people to participate. If in-person participation is required, advance notice should be given that writing is required, so that participants can bring appropriate tools.</a:t>
-            </a:r>
-          </a:p>
-          <a:p>
-            <a:pPr lvl="1"/>
-            <a:r>
-              <a:rPr lang="en-US" dirty="0"/>
-              <a:t>If you are preparing a physical space for participants to take the study, make sure there is proper furniture if the participant needs to sit. Avoid places that only have stools with no back.</a:t>
-            </a:r>
-          </a:p>
-        </p:txBody>
-      </p:sp>
-      <p:sp>
-        <p:nvSpPr>
-          <p:cNvPr id="4" name="Slide Number Placeholder 3">
-            <a:extLst>
-              <a:ext uri="{FF2B5EF4-FFF2-40B4-BE49-F238E27FC236}">
-                <a16:creationId xmlns:a16="http://schemas.microsoft.com/office/drawing/2014/main" id="{62833E72-E1E9-0DBA-092E-0D55C392D29A}"/>
-              </a:ext>
-            </a:extLst>
-          </p:cNvPr>
-          <p:cNvSpPr>
-            <a:spLocks noGrp="1"/>
-          </p:cNvSpPr>
-          <p:nvPr>
-            <p:ph type="sldNum" sz="quarter" idx="12"/>
-          </p:nvPr>
-        </p:nvSpPr>
-        <p:spPr/>
-        <p:txBody>
-          <a:bodyPr/>
-          <a:lstStyle/>
-          <a:p>
-            <a:fld id="{9BF27F29-4B64-4A24-936A-FF41C34C242B}" type="slidenum">
-              <a:rPr lang="en-US" smtClean="0"/>
-              <a:t>55</a:t>
-            </a:fld>
-            <a:endParaRPr lang="en-US"/>
-          </a:p>
-        </p:txBody>
-      </p:sp>
-    </p:spTree>
-    <p:extLst>
-      <p:ext uri="{BB962C8B-B14F-4D97-AF65-F5344CB8AC3E}">
-        <p14:creationId xmlns:p14="http://schemas.microsoft.com/office/powerpoint/2010/main" val="320697711"/>
-      </p:ext>
-    </p:extLst>
-  </p:cSld>
-  <p:clrMapOvr>
-    <a:masterClrMapping/>
-  </p:clrMapOvr>
-</p:sld>
-</file>
-
-<file path=ppt/slides/slide56.xml><?xml version="1.0" encoding="utf-8"?>
-<p:sld xmlns:a="http://schemas.openxmlformats.org/drawingml/2006/main" xmlns:r="http://schemas.openxmlformats.org/officeDocument/2006/relationships" xmlns:p="http://schemas.openxmlformats.org/presentationml/2006/main">
-  <p:cSld>
-    <p:spTree>
-      <p:nvGrpSpPr>
-        <p:cNvPr id="1" name=""/>
-        <p:cNvGrpSpPr/>
-        <p:nvPr/>
-      </p:nvGrpSpPr>
-      <p:grpSpPr>
-        <a:xfrm>
-          <a:off x="0" y="0"/>
-          <a:ext cx="0" cy="0"/>
-          <a:chOff x="0" y="0"/>
-          <a:chExt cx="0" cy="0"/>
-        </a:xfrm>
-      </p:grpSpPr>
-      <p:sp>
-        <p:nvSpPr>
-          <p:cNvPr id="2" name="Title 1">
-            <a:extLst>
-              <a:ext uri="{FF2B5EF4-FFF2-40B4-BE49-F238E27FC236}">
                 <a16:creationId xmlns:a16="http://schemas.microsoft.com/office/drawing/2014/main" id="{676DE5FC-A1CF-F410-620D-C7344EDF377E}"/>
               </a:ext>
             </a:extLst>
@@ -23025,7 +22840,7 @@
           <a:p>
             <a:fld id="{9BF27F29-4B64-4A24-936A-FF41C34C242B}" type="slidenum">
               <a:rPr lang="en-US" smtClean="0"/>
-              <a:t>56</a:t>
+              <a:t>55</a:t>
             </a:fld>
             <a:endParaRPr lang="en-US"/>
           </a:p>
